--- a/云评估-界面内容设计.pptx
+++ b/云评估-界面内容设计.pptx
@@ -203,7 +203,8 @@
           <a:p>
             <a:fld id="{741ADBF2-DA55-4D91-AD0F-AC6625B4CA29}" type="datetimeFigureOut">
               <a:rPr lang="zh-CN" altLang="en-US" smtClean="0"/>
-              <a:t>2016/12/4</a:t>
+              <a:pPr/>
+              <a:t>2016/12/5</a:t>
             </a:fld>
             <a:endParaRPr lang="zh-CN" altLang="en-US"/>
           </a:p>
@@ -364,6 +365,7 @@
           <a:p>
             <a:fld id="{29B99A68-0FCC-44BF-A3E0-6FFCF2AC285A}" type="slidenum">
               <a:rPr lang="zh-CN" altLang="en-US" smtClean="0"/>
+              <a:pPr/>
               <a:t>‹#›</a:t>
             </a:fld>
             <a:endParaRPr lang="zh-CN" altLang="en-US"/>
@@ -650,7 +652,7 @@
             <a:fld id="{530820CF-B880-4189-942D-D702A7CBA730}" type="datetimeFigureOut">
               <a:rPr lang="zh-CN" altLang="en-US" smtClean="0"/>
               <a:pPr/>
-              <a:t>2016/12/4</a:t>
+              <a:t>2016/12/5</a:t>
             </a:fld>
             <a:endParaRPr lang="zh-CN" altLang="en-US"/>
           </a:p>
@@ -817,7 +819,7 @@
             <a:fld id="{530820CF-B880-4189-942D-D702A7CBA730}" type="datetimeFigureOut">
               <a:rPr lang="zh-CN" altLang="en-US" smtClean="0"/>
               <a:pPr/>
-              <a:t>2016/12/4</a:t>
+              <a:t>2016/12/5</a:t>
             </a:fld>
             <a:endParaRPr lang="zh-CN" altLang="en-US"/>
           </a:p>
@@ -994,7 +996,7 @@
             <a:fld id="{530820CF-B880-4189-942D-D702A7CBA730}" type="datetimeFigureOut">
               <a:rPr lang="zh-CN" altLang="en-US" smtClean="0"/>
               <a:pPr/>
-              <a:t>2016/12/4</a:t>
+              <a:t>2016/12/5</a:t>
             </a:fld>
             <a:endParaRPr lang="zh-CN" altLang="en-US"/>
           </a:p>
@@ -1161,7 +1163,7 @@
             <a:fld id="{530820CF-B880-4189-942D-D702A7CBA730}" type="datetimeFigureOut">
               <a:rPr lang="zh-CN" altLang="en-US" smtClean="0"/>
               <a:pPr/>
-              <a:t>2016/12/4</a:t>
+              <a:t>2016/12/5</a:t>
             </a:fld>
             <a:endParaRPr lang="zh-CN" altLang="en-US"/>
           </a:p>
@@ -1404,7 +1406,7 @@
             <a:fld id="{530820CF-B880-4189-942D-D702A7CBA730}" type="datetimeFigureOut">
               <a:rPr lang="zh-CN" altLang="en-US" smtClean="0"/>
               <a:pPr/>
-              <a:t>2016/12/4</a:t>
+              <a:t>2016/12/5</a:t>
             </a:fld>
             <a:endParaRPr lang="zh-CN" altLang="en-US"/>
           </a:p>
@@ -1689,7 +1691,7 @@
             <a:fld id="{530820CF-B880-4189-942D-D702A7CBA730}" type="datetimeFigureOut">
               <a:rPr lang="zh-CN" altLang="en-US" smtClean="0"/>
               <a:pPr/>
-              <a:t>2016/12/4</a:t>
+              <a:t>2016/12/5</a:t>
             </a:fld>
             <a:endParaRPr lang="zh-CN" altLang="en-US"/>
           </a:p>
@@ -2108,7 +2110,7 @@
             <a:fld id="{530820CF-B880-4189-942D-D702A7CBA730}" type="datetimeFigureOut">
               <a:rPr lang="zh-CN" altLang="en-US" smtClean="0"/>
               <a:pPr/>
-              <a:t>2016/12/4</a:t>
+              <a:t>2016/12/5</a:t>
             </a:fld>
             <a:endParaRPr lang="zh-CN" altLang="en-US"/>
           </a:p>
@@ -2223,7 +2225,7 @@
             <a:fld id="{530820CF-B880-4189-942D-D702A7CBA730}" type="datetimeFigureOut">
               <a:rPr lang="zh-CN" altLang="en-US" smtClean="0"/>
               <a:pPr/>
-              <a:t>2016/12/4</a:t>
+              <a:t>2016/12/5</a:t>
             </a:fld>
             <a:endParaRPr lang="zh-CN" altLang="en-US"/>
           </a:p>
@@ -2315,7 +2317,7 @@
             <a:fld id="{530820CF-B880-4189-942D-D702A7CBA730}" type="datetimeFigureOut">
               <a:rPr lang="zh-CN" altLang="en-US" smtClean="0"/>
               <a:pPr/>
-              <a:t>2016/12/4</a:t>
+              <a:t>2016/12/5</a:t>
             </a:fld>
             <a:endParaRPr lang="zh-CN" altLang="en-US"/>
           </a:p>
@@ -2589,7 +2591,7 @@
             <a:fld id="{530820CF-B880-4189-942D-D702A7CBA730}" type="datetimeFigureOut">
               <a:rPr lang="zh-CN" altLang="en-US" smtClean="0"/>
               <a:pPr/>
-              <a:t>2016/12/4</a:t>
+              <a:t>2016/12/5</a:t>
             </a:fld>
             <a:endParaRPr lang="zh-CN" altLang="en-US"/>
           </a:p>
@@ -2839,7 +2841,7 @@
             <a:fld id="{530820CF-B880-4189-942D-D702A7CBA730}" type="datetimeFigureOut">
               <a:rPr lang="zh-CN" altLang="en-US" smtClean="0"/>
               <a:pPr/>
-              <a:t>2016/12/4</a:t>
+              <a:t>2016/12/5</a:t>
             </a:fld>
             <a:endParaRPr lang="zh-CN" altLang="en-US"/>
           </a:p>
@@ -3049,7 +3051,7 @@
             <a:fld id="{530820CF-B880-4189-942D-D702A7CBA730}" type="datetimeFigureOut">
               <a:rPr lang="zh-CN" altLang="en-US" smtClean="0"/>
               <a:pPr/>
-              <a:t>2016/12/4</a:t>
+              <a:t>2016/12/5</a:t>
             </a:fld>
             <a:endParaRPr lang="zh-CN" altLang="en-US"/>
           </a:p>
@@ -4334,11 +4336,7 @@
                     <a:p>
                       <a:r>
                         <a:rPr lang="zh-CN" altLang="en-US" dirty="0" smtClean="0"/>
-                        <a:t>心理学讲座</a:t>
-                      </a:r>
-                      <a:r>
-                        <a:rPr lang="zh-CN" altLang="en-US" dirty="0" smtClean="0"/>
-                        <a:t>第二节</a:t>
+                        <a:t>心理学讲座第二节</a:t>
                       </a:r>
                       <a:endParaRPr lang="zh-CN" altLang="en-US" dirty="0"/>
                     </a:p>
@@ -4705,11 +4703,7 @@
                     <a:p>
                       <a:r>
                         <a:rPr lang="zh-CN" altLang="en-US" dirty="0" smtClean="0"/>
-                        <a:t>心理学讲座</a:t>
-                      </a:r>
-                      <a:r>
-                        <a:rPr lang="zh-CN" altLang="en-US" dirty="0" smtClean="0"/>
-                        <a:t>第三节</a:t>
+                        <a:t>心理学讲座第三节</a:t>
                       </a:r>
                       <a:endParaRPr lang="zh-CN" altLang="en-US" dirty="0"/>
                     </a:p>
@@ -5076,11 +5070,7 @@
                     <a:p>
                       <a:r>
                         <a:rPr lang="zh-CN" altLang="en-US" dirty="0" smtClean="0"/>
-                        <a:t>心理学讲座</a:t>
-                      </a:r>
-                      <a:r>
-                        <a:rPr lang="zh-CN" altLang="en-US" dirty="0" smtClean="0"/>
-                        <a:t>第四节</a:t>
+                        <a:t>心理学讲座第四节</a:t>
                       </a:r>
                       <a:endParaRPr lang="zh-CN" altLang="en-US" dirty="0"/>
                     </a:p>
@@ -5363,15 +5353,7 @@
             </a:r>
             <a:r>
               <a:rPr lang="zh-CN" altLang="en-US" dirty="0" smtClean="0"/>
-              <a:t>，参与度</a:t>
-            </a:r>
-            <a:r>
-              <a:rPr lang="zh-CN" altLang="en-US" dirty="0" smtClean="0"/>
-              <a:t>越高</a:t>
-            </a:r>
-            <a:r>
-              <a:rPr lang="zh-CN" altLang="en-US" dirty="0" smtClean="0"/>
-              <a:t>表示课堂越活跃，交互越好。</a:t>
+              <a:t>，参与度越高表示课堂越活跃，交互越好。</a:t>
             </a:r>
             <a:endParaRPr lang="zh-CN" altLang="en-US" dirty="0"/>
           </a:p>
@@ -5501,7 +5483,7 @@
                     <a:p>
                       <a:r>
                         <a:rPr lang="zh-CN" altLang="en-US" dirty="0" smtClean="0"/>
-                        <a:t>关键内容一</a:t>
+                        <a:t>关键区域一</a:t>
                       </a:r>
                       <a:endParaRPr lang="zh-CN" altLang="en-US" dirty="0"/>
                     </a:p>
@@ -5569,8 +5551,9 @@
                       </a:pPr>
                       <a:r>
                         <a:rPr lang="zh-CN" altLang="en-US" dirty="0" smtClean="0"/>
-                        <a:t>关键内容二</a:t>
-                      </a:r>
+                        <a:t>关键区域二</a:t>
+                      </a:r>
+                      <a:endParaRPr lang="zh-CN" altLang="en-US" dirty="0" smtClean="0"/>
                     </a:p>
                     <a:p>
                       <a:endParaRPr lang="zh-CN" altLang="en-US" dirty="0"/>
@@ -5639,8 +5622,9 @@
                       </a:pPr>
                       <a:r>
                         <a:rPr lang="zh-CN" altLang="en-US" dirty="0" smtClean="0"/>
-                        <a:t>关键内容三</a:t>
-                      </a:r>
+                        <a:t>关键区域三</a:t>
+                      </a:r>
+                      <a:endParaRPr lang="zh-CN" altLang="en-US" dirty="0" smtClean="0"/>
                     </a:p>
                     <a:p>
                       <a:endParaRPr lang="zh-CN" altLang="en-US" dirty="0"/>
@@ -6835,7 +6819,19 @@
           <a:p>
             <a:r>
               <a:rPr lang="zh-CN" altLang="en-US" dirty="0" smtClean="0"/>
-              <a:t>在线自习行为数据</a:t>
+              <a:t>在线</a:t>
+            </a:r>
+            <a:r>
+              <a:rPr lang="zh-CN" altLang="en-US" dirty="0" smtClean="0"/>
+              <a:t>阅读</a:t>
+            </a:r>
+            <a:r>
+              <a:rPr lang="zh-CN" altLang="en-US" dirty="0" smtClean="0"/>
+              <a:t>行为</a:t>
+            </a:r>
+            <a:r>
+              <a:rPr lang="zh-CN" altLang="en-US" dirty="0" smtClean="0"/>
+              <a:t>数据</a:t>
             </a:r>
             <a:r>
               <a:rPr lang="en-US" altLang="zh-CN" dirty="0" smtClean="0"/>
@@ -6909,7 +6905,7 @@
         <p:spPr>
           <a:xfrm>
             <a:off x="1357290" y="642918"/>
-            <a:ext cx="2371803" cy="369332"/>
+            <a:ext cx="2833468" cy="369332"/>
           </a:xfrm>
           <a:prstGeom prst="rect">
             <a:avLst/>
@@ -6924,11 +6920,11 @@
           <a:p>
             <a:r>
               <a:rPr lang="zh-CN" altLang="en-US" dirty="0" smtClean="0"/>
-              <a:t>在线</a:t>
+              <a:t>在线自习测试效果</a:t>
             </a:r>
             <a:r>
               <a:rPr lang="zh-CN" altLang="en-US" dirty="0" smtClean="0"/>
-              <a:t>学习效果分析</a:t>
+              <a:t>分析</a:t>
             </a:r>
             <a:r>
               <a:rPr lang="en-US" altLang="zh-CN" dirty="0" smtClean="0"/>
@@ -6948,7 +6944,7 @@
         </p:nvGraphicFramePr>
         <p:xfrm>
           <a:off x="571472" y="1428736"/>
-          <a:ext cx="8286807" cy="3108960"/>
+          <a:ext cx="7500989" cy="3108960"/>
         </p:xfrm>
         <a:graphic>
           <a:graphicData uri="http://schemas.openxmlformats.org/drawingml/2006/table">
@@ -6963,7 +6959,6 @@
                 <a:gridCol w="681871"/>
                 <a:gridCol w="461137"/>
                 <a:gridCol w="1000132"/>
-                <a:gridCol w="785818"/>
                 <a:gridCol w="714380"/>
                 <a:gridCol w="785818"/>
                 <a:gridCol w="928694"/>
@@ -7282,57 +7277,6 @@
                     <a:p>
                       <a:r>
                         <a:rPr lang="zh-CN" altLang="en-US" dirty="0" smtClean="0"/>
-                        <a:t>关注程度</a:t>
-                      </a:r>
-                      <a:endParaRPr lang="zh-CN" altLang="en-US" dirty="0"/>
-                    </a:p>
-                  </a:txBody>
-                  <a:tcPr>
-                    <a:lnL w="12700" cap="flat" cmpd="sng" algn="ctr">
-                      <a:solidFill>
-                        <a:schemeClr val="tx1"/>
-                      </a:solidFill>
-                      <a:prstDash val="solid"/>
-                      <a:round/>
-                      <a:headEnd type="none" w="med" len="med"/>
-                      <a:tailEnd type="none" w="med" len="med"/>
-                    </a:lnL>
-                    <a:lnR w="12700" cap="flat" cmpd="sng" algn="ctr">
-                      <a:solidFill>
-                        <a:schemeClr val="tx1"/>
-                      </a:solidFill>
-                      <a:prstDash val="solid"/>
-                      <a:round/>
-                      <a:headEnd type="none" w="med" len="med"/>
-                      <a:tailEnd type="none" w="med" len="med"/>
-                    </a:lnR>
-                    <a:lnT w="12700" cap="flat" cmpd="sng" algn="ctr">
-                      <a:solidFill>
-                        <a:schemeClr val="tx1"/>
-                      </a:solidFill>
-                      <a:prstDash val="solid"/>
-                      <a:round/>
-                      <a:headEnd type="none" w="med" len="med"/>
-                      <a:tailEnd type="none" w="med" len="med"/>
-                    </a:lnT>
-                    <a:lnB w="12700" cap="flat" cmpd="sng" algn="ctr">
-                      <a:solidFill>
-                        <a:schemeClr val="tx1"/>
-                      </a:solidFill>
-                      <a:prstDash val="solid"/>
-                      <a:round/>
-                      <a:headEnd type="none" w="med" len="med"/>
-                      <a:tailEnd type="none" w="med" len="med"/>
-                    </a:lnB>
-                  </a:tcPr>
-                </a:tc>
-                <a:tc>
-                  <a:txBody>
-                    <a:bodyPr/>
-                    <a:lstStyle/>
-                    <a:p>
-                      <a:r>
-                        <a:rPr lang="zh-CN" altLang="en-US" dirty="0" smtClean="0"/>
                         <a:t>关注分布</a:t>
                       </a:r>
                       <a:endParaRPr lang="zh-CN" altLang="en-US" dirty="0"/>
@@ -7748,57 +7692,6 @@
                       <a:r>
                         <a:rPr lang="zh-CN" altLang="en-US" dirty="0" smtClean="0"/>
                         <a:t>心理学第一讲</a:t>
-                      </a:r>
-                      <a:endParaRPr lang="zh-CN" altLang="en-US" dirty="0"/>
-                    </a:p>
-                  </a:txBody>
-                  <a:tcPr>
-                    <a:lnL w="12700" cap="flat" cmpd="sng" algn="ctr">
-                      <a:solidFill>
-                        <a:schemeClr val="tx1"/>
-                      </a:solidFill>
-                      <a:prstDash val="solid"/>
-                      <a:round/>
-                      <a:headEnd type="none" w="med" len="med"/>
-                      <a:tailEnd type="none" w="med" len="med"/>
-                    </a:lnL>
-                    <a:lnR w="12700" cap="flat" cmpd="sng" algn="ctr">
-                      <a:solidFill>
-                        <a:schemeClr val="tx1"/>
-                      </a:solidFill>
-                      <a:prstDash val="solid"/>
-                      <a:round/>
-                      <a:headEnd type="none" w="med" len="med"/>
-                      <a:tailEnd type="none" w="med" len="med"/>
-                    </a:lnR>
-                    <a:lnT w="12700" cap="flat" cmpd="sng" algn="ctr">
-                      <a:solidFill>
-                        <a:schemeClr val="tx1"/>
-                      </a:solidFill>
-                      <a:prstDash val="solid"/>
-                      <a:round/>
-                      <a:headEnd type="none" w="med" len="med"/>
-                      <a:tailEnd type="none" w="med" len="med"/>
-                    </a:lnT>
-                    <a:lnB w="12700" cap="flat" cmpd="sng" algn="ctr">
-                      <a:solidFill>
-                        <a:schemeClr val="tx1"/>
-                      </a:solidFill>
-                      <a:prstDash val="solid"/>
-                      <a:round/>
-                      <a:headEnd type="none" w="med" len="med"/>
-                      <a:tailEnd type="none" w="med" len="med"/>
-                    </a:lnB>
-                  </a:tcPr>
-                </a:tc>
-                <a:tc>
-                  <a:txBody>
-                    <a:bodyPr/>
-                    <a:lstStyle/>
-                    <a:p>
-                      <a:r>
-                        <a:rPr lang="en-US" altLang="zh-CN" dirty="0" smtClean="0"/>
-                        <a:t>0.7</a:t>
                       </a:r>
                       <a:endParaRPr lang="zh-CN" altLang="en-US" dirty="0"/>
                     </a:p>
@@ -8356,57 +8249,6 @@
                     <a:bodyPr/>
                     <a:lstStyle/>
                     <a:p>
-                      <a:r>
-                        <a:rPr lang="en-US" altLang="zh-CN" dirty="0" smtClean="0"/>
-                        <a:t>0.5</a:t>
-                      </a:r>
-                      <a:endParaRPr lang="zh-CN" altLang="en-US" dirty="0"/>
-                    </a:p>
-                  </a:txBody>
-                  <a:tcPr>
-                    <a:lnL w="12700" cap="flat" cmpd="sng" algn="ctr">
-                      <a:solidFill>
-                        <a:schemeClr val="tx1"/>
-                      </a:solidFill>
-                      <a:prstDash val="solid"/>
-                      <a:round/>
-                      <a:headEnd type="none" w="med" len="med"/>
-                      <a:tailEnd type="none" w="med" len="med"/>
-                    </a:lnL>
-                    <a:lnR w="12700" cap="flat" cmpd="sng" algn="ctr">
-                      <a:solidFill>
-                        <a:schemeClr val="tx1"/>
-                      </a:solidFill>
-                      <a:prstDash val="solid"/>
-                      <a:round/>
-                      <a:headEnd type="none" w="med" len="med"/>
-                      <a:tailEnd type="none" w="med" len="med"/>
-                    </a:lnR>
-                    <a:lnT w="12700" cap="flat" cmpd="sng" algn="ctr">
-                      <a:solidFill>
-                        <a:schemeClr val="tx1"/>
-                      </a:solidFill>
-                      <a:prstDash val="solid"/>
-                      <a:round/>
-                      <a:headEnd type="none" w="med" len="med"/>
-                      <a:tailEnd type="none" w="med" len="med"/>
-                    </a:lnT>
-                    <a:lnB w="12700" cap="flat" cmpd="sng" algn="ctr">
-                      <a:solidFill>
-                        <a:schemeClr val="tx1"/>
-                      </a:solidFill>
-                      <a:prstDash val="solid"/>
-                      <a:round/>
-                      <a:headEnd type="none" w="med" len="med"/>
-                      <a:tailEnd type="none" w="med" len="med"/>
-                    </a:lnB>
-                  </a:tcPr>
-                </a:tc>
-                <a:tc>
-                  <a:txBody>
-                    <a:bodyPr/>
-                    <a:lstStyle/>
-                    <a:p>
                       <a:pPr marL="0" marR="0" indent="0" algn="l" defTabSz="914400" rtl="0" eaLnBrk="1" fontAlgn="auto" latinLnBrk="0" hangingPunct="1">
                         <a:lnSpc>
                           <a:spcPct val="100000"/>
@@ -8961,57 +8803,6 @@
                     <a:bodyPr/>
                     <a:lstStyle/>
                     <a:p>
-                      <a:r>
-                        <a:rPr lang="en-US" altLang="zh-CN" dirty="0" smtClean="0"/>
-                        <a:t>0.6</a:t>
-                      </a:r>
-                      <a:endParaRPr lang="zh-CN" altLang="en-US" dirty="0"/>
-                    </a:p>
-                  </a:txBody>
-                  <a:tcPr>
-                    <a:lnL w="12700" cap="flat" cmpd="sng" algn="ctr">
-                      <a:solidFill>
-                        <a:schemeClr val="tx1"/>
-                      </a:solidFill>
-                      <a:prstDash val="solid"/>
-                      <a:round/>
-                      <a:headEnd type="none" w="med" len="med"/>
-                      <a:tailEnd type="none" w="med" len="med"/>
-                    </a:lnL>
-                    <a:lnR w="12700" cap="flat" cmpd="sng" algn="ctr">
-                      <a:solidFill>
-                        <a:schemeClr val="tx1"/>
-                      </a:solidFill>
-                      <a:prstDash val="solid"/>
-                      <a:round/>
-                      <a:headEnd type="none" w="med" len="med"/>
-                      <a:tailEnd type="none" w="med" len="med"/>
-                    </a:lnR>
-                    <a:lnT w="12700" cap="flat" cmpd="sng" algn="ctr">
-                      <a:solidFill>
-                        <a:schemeClr val="tx1"/>
-                      </a:solidFill>
-                      <a:prstDash val="solid"/>
-                      <a:round/>
-                      <a:headEnd type="none" w="med" len="med"/>
-                      <a:tailEnd type="none" w="med" len="med"/>
-                    </a:lnT>
-                    <a:lnB w="12700" cap="flat" cmpd="sng" algn="ctr">
-                      <a:solidFill>
-                        <a:schemeClr val="tx1"/>
-                      </a:solidFill>
-                      <a:prstDash val="solid"/>
-                      <a:round/>
-                      <a:headEnd type="none" w="med" len="med"/>
-                      <a:tailEnd type="none" w="med" len="med"/>
-                    </a:lnB>
-                  </a:tcPr>
-                </a:tc>
-                <a:tc>
-                  <a:txBody>
-                    <a:bodyPr/>
-                    <a:lstStyle/>
-                    <a:p>
                       <a:pPr marL="0" marR="0" indent="0" algn="l" defTabSz="914400" rtl="0" eaLnBrk="1" fontAlgn="auto" latinLnBrk="0" hangingPunct="1">
                         <a:lnSpc>
                           <a:spcPct val="100000"/>
@@ -9211,7 +9002,7 @@
         <p:spPr>
           <a:xfrm>
             <a:off x="1500166" y="5572140"/>
-            <a:ext cx="5813386" cy="923330"/>
+            <a:ext cx="5813386" cy="646331"/>
           </a:xfrm>
           <a:prstGeom prst="rect">
             <a:avLst/>
@@ -9241,14 +9032,11 @@
           <a:p>
             <a:r>
               <a:rPr lang="zh-CN" altLang="en-US" dirty="0" smtClean="0"/>
-              <a:t>自习效果：测试成绩等因素相关的指标</a:t>
+              <a:t>自习效果：测试成绩等因素相关的</a:t>
             </a:r>
-            <a:endParaRPr lang="en-US" altLang="zh-CN" dirty="0" smtClean="0"/>
-          </a:p>
-          <a:p>
             <a:r>
               <a:rPr lang="zh-CN" altLang="en-US" dirty="0" smtClean="0"/>
-              <a:t>关注程度：注意力集中在关键内容上的时间比例</a:t>
+              <a:t>指标</a:t>
             </a:r>
             <a:endParaRPr lang="en-US" altLang="zh-CN" dirty="0" smtClean="0"/>
           </a:p>
@@ -9288,7 +9076,7 @@
         <p:spPr>
           <a:xfrm>
             <a:off x="1357290" y="642918"/>
-            <a:ext cx="2628412" cy="369332"/>
+            <a:ext cx="3090077" cy="369332"/>
           </a:xfrm>
           <a:prstGeom prst="rect">
             <a:avLst/>
@@ -9303,11 +9091,19 @@
           <a:p>
             <a:r>
               <a:rPr lang="zh-CN" altLang="en-US" dirty="0" smtClean="0"/>
-              <a:t>在线</a:t>
+              <a:t>在线自习</a:t>
             </a:r>
             <a:r>
               <a:rPr lang="zh-CN" altLang="en-US" dirty="0" smtClean="0"/>
-              <a:t>学习效果分析</a:t>
+              <a:t>测试</a:t>
+            </a:r>
+            <a:r>
+              <a:rPr lang="zh-CN" altLang="en-US" dirty="0" smtClean="0"/>
+              <a:t>效果</a:t>
+            </a:r>
+            <a:r>
+              <a:rPr lang="zh-CN" altLang="en-US" dirty="0" smtClean="0"/>
+              <a:t>分析</a:t>
             </a:r>
             <a:r>
               <a:rPr lang="en-US" altLang="zh-CN" dirty="0" smtClean="0"/>
@@ -11619,19 +11415,7 @@
                       <a:pPr algn="ctr"/>
                       <a:r>
                         <a:rPr lang="en-US" altLang="zh-CN" dirty="0" smtClean="0"/>
-                        <a:t>0</a:t>
-                      </a:r>
-                      <a:r>
-                        <a:rPr lang="en-US" altLang="zh-CN" dirty="0" smtClean="0"/>
-                        <a:t>min</a:t>
-                      </a:r>
-                      <a:r>
-                        <a:rPr lang="en-US" altLang="zh-CN" dirty="0" smtClean="0"/>
-                        <a:t>-3</a:t>
-                      </a:r>
-                      <a:r>
-                        <a:rPr lang="en-US" altLang="zh-CN" dirty="0" smtClean="0"/>
-                        <a:t>min</a:t>
+                        <a:t>0min-3min</a:t>
                       </a:r>
                       <a:endParaRPr lang="zh-CN" altLang="en-US" dirty="0"/>
                     </a:p>
@@ -14411,26 +14195,14 @@
             </a:r>
             <a:r>
               <a:rPr lang="zh-CN" altLang="en-US" dirty="0" smtClean="0"/>
-              <a:t>，活跃度越</a:t>
-            </a:r>
-            <a:r>
-              <a:rPr lang="zh-CN" altLang="en-US" dirty="0" smtClean="0"/>
-              <a:t>高</a:t>
-            </a:r>
-            <a:r>
-              <a:rPr lang="zh-CN" altLang="en-US" dirty="0" smtClean="0"/>
-              <a:t>表示课堂越活跃，交互越好。</a:t>
+              <a:t>，活跃度越高表示课堂越活跃，交互越好。</a:t>
             </a:r>
             <a:endParaRPr lang="en-US" altLang="zh-CN" dirty="0" smtClean="0"/>
           </a:p>
           <a:p>
             <a:r>
               <a:rPr lang="zh-CN" altLang="en-US" dirty="0" smtClean="0"/>
-              <a:t>有效</a:t>
-            </a:r>
-            <a:r>
-              <a:rPr lang="zh-CN" altLang="en-US" dirty="0" smtClean="0"/>
-              <a:t>人数：表示硬件设备（摄像头）实际检测到的人数。</a:t>
+              <a:t>有效人数：表示硬件设备（摄像头）实际检测到的人数。</a:t>
             </a:r>
             <a:endParaRPr lang="zh-CN" altLang="en-US" dirty="0"/>
           </a:p>
@@ -15878,6 +15650,14 @@
                       <a:pPr algn="ctr"/>
                       <a:r>
                         <a:rPr lang="zh-CN" altLang="en-US" dirty="0" smtClean="0"/>
+                        <a:t>知识点</a:t>
+                      </a:r>
+                      <a:r>
+                        <a:rPr lang="en-US" altLang="zh-CN" dirty="0" smtClean="0"/>
+                        <a:t>1-</a:t>
+                      </a:r>
+                      <a:r>
+                        <a:rPr lang="zh-CN" altLang="en-US" dirty="0" smtClean="0"/>
                         <a:t>强化</a:t>
                       </a:r>
                       <a:endParaRPr lang="zh-CN" altLang="en-US" dirty="0"/>
@@ -16569,6 +16349,14 @@
                     <a:lstStyle/>
                     <a:p>
                       <a:pPr algn="ctr"/>
+                      <a:r>
+                        <a:rPr lang="zh-CN" altLang="en-US" dirty="0" smtClean="0"/>
+                        <a:t>知识点</a:t>
+                      </a:r>
+                      <a:r>
+                        <a:rPr lang="en-US" altLang="zh-CN" dirty="0" smtClean="0"/>
+                        <a:t>2-</a:t>
+                      </a:r>
                       <a:r>
                         <a:rPr lang="zh-CN" altLang="en-US" dirty="0" smtClean="0"/>
                         <a:t>刺激</a:t>
@@ -18670,26 +18458,14 @@
           <a:p>
             <a:r>
               <a:rPr lang="zh-CN" altLang="en-US" dirty="0" smtClean="0"/>
-              <a:t>参与度：讲解本知识点时，根据站立</a:t>
-            </a:r>
-            <a:r>
-              <a:rPr lang="zh-CN" altLang="en-US" dirty="0" smtClean="0"/>
-              <a:t>学生的次数，人数等因素计算出来的</a:t>
-            </a:r>
-            <a:r>
-              <a:rPr lang="zh-CN" altLang="en-US" dirty="0" smtClean="0"/>
-              <a:t>指标。</a:t>
+              <a:t>参与度：讲解本知识点时，根据站立学生的次数，人数等因素计算出来的指标。</a:t>
             </a:r>
             <a:endParaRPr lang="en-US" altLang="zh-CN" dirty="0" smtClean="0"/>
           </a:p>
           <a:p>
             <a:r>
               <a:rPr lang="zh-CN" altLang="en-US" dirty="0" smtClean="0"/>
-              <a:t>教学</a:t>
-            </a:r>
-            <a:r>
-              <a:rPr lang="zh-CN" altLang="en-US" dirty="0" smtClean="0"/>
-              <a:t>效果：根据</a:t>
+              <a:t>教学效果：根据</a:t>
             </a:r>
             <a:r>
               <a:rPr lang="en-US" altLang="zh-CN" dirty="0" smtClean="0"/>
@@ -18711,11 +18487,7 @@
           <a:p>
             <a:r>
               <a:rPr lang="zh-CN" altLang="en-US" dirty="0" smtClean="0"/>
-              <a:t>教师</a:t>
-            </a:r>
-            <a:r>
-              <a:rPr lang="zh-CN" altLang="en-US" dirty="0" smtClean="0"/>
-              <a:t>评估：教师自己评估本知识点的难度。</a:t>
+              <a:t>教师评估：教师自己评估本知识点的难度。</a:t>
             </a:r>
             <a:endParaRPr lang="en-US" altLang="zh-CN" dirty="0" smtClean="0"/>
           </a:p>
@@ -21333,11 +21105,7 @@
             </a:r>
             <a:r>
               <a:rPr lang="en-US" altLang="zh-CN" dirty="0" smtClean="0"/>
-              <a:t>-</a:t>
-            </a:r>
-            <a:r>
-              <a:rPr lang="en-US" altLang="zh-CN" dirty="0" smtClean="0"/>
-              <a:t>detail</a:t>
+              <a:t>-detail</a:t>
             </a:r>
             <a:endParaRPr lang="zh-CN" altLang="en-US" dirty="0"/>
           </a:p>
@@ -21352,7 +21120,7 @@
         <p:spPr>
           <a:xfrm>
             <a:off x="142844" y="4071942"/>
-            <a:ext cx="9276899" cy="923330"/>
+            <a:ext cx="8956298" cy="1200329"/>
           </a:xfrm>
           <a:prstGeom prst="rect">
             <a:avLst/>
@@ -21386,6 +21154,13 @@
             <a:r>
               <a:rPr lang="zh-CN" altLang="en-US" dirty="0" smtClean="0"/>
               <a:t>。</a:t>
+            </a:r>
+            <a:endParaRPr lang="en-US" altLang="zh-CN" dirty="0" smtClean="0"/>
+          </a:p>
+          <a:p>
+            <a:r>
+              <a:rPr lang="zh-CN" altLang="en-US" dirty="0" smtClean="0"/>
+              <a:t>以知识点作为基本记录</a:t>
             </a:r>
             <a:endParaRPr lang="zh-CN" altLang="en-US" dirty="0"/>
           </a:p>
@@ -21426,7 +21201,7 @@
         </p:nvGraphicFramePr>
         <p:xfrm>
           <a:off x="714349" y="1785926"/>
-          <a:ext cx="7500990" cy="1854200"/>
+          <a:ext cx="5383779" cy="3017520"/>
         </p:xfrm>
         <a:graphic>
           <a:graphicData uri="http://schemas.openxmlformats.org/drawingml/2006/table">
@@ -21435,12 +21210,14 @@
                 <a:tableStyleId>{2D5ABB26-0587-4C30-8999-92F81FD0307C}</a:tableStyleId>
               </a:tblPr>
               <a:tblGrid>
-                <a:gridCol w="714380"/>
-                <a:gridCol w="1357322"/>
-                <a:gridCol w="1143008"/>
-                <a:gridCol w="1143008"/>
-                <a:gridCol w="1857387"/>
-                <a:gridCol w="1285885"/>
+                <a:gridCol w="322383"/>
+                <a:gridCol w="612525"/>
+                <a:gridCol w="515811"/>
+                <a:gridCol w="838193"/>
+                <a:gridCol w="838193"/>
+                <a:gridCol w="838193"/>
+                <a:gridCol w="838193"/>
+                <a:gridCol w="580288"/>
               </a:tblGrid>
               <a:tr h="370840">
                 <a:tc>
@@ -21501,7 +21278,7 @@
                     <a:p>
                       <a:r>
                         <a:rPr lang="zh-CN" altLang="en-US" dirty="0" smtClean="0"/>
-                        <a:t>时间</a:t>
+                        <a:t>试卷编号</a:t>
                       </a:r>
                       <a:endParaRPr lang="zh-CN" altLang="en-US" dirty="0"/>
                     </a:p>
@@ -21552,58 +21329,7 @@
                     <a:p>
                       <a:r>
                         <a:rPr lang="zh-CN" altLang="en-US" dirty="0" smtClean="0"/>
-                        <a:t>测试场所</a:t>
-                      </a:r>
-                      <a:endParaRPr lang="zh-CN" altLang="en-US" dirty="0"/>
-                    </a:p>
-                  </a:txBody>
-                  <a:tcPr>
-                    <a:lnL w="12700" cap="flat" cmpd="sng" algn="ctr">
-                      <a:solidFill>
-                        <a:schemeClr val="tx1"/>
-                      </a:solidFill>
-                      <a:prstDash val="solid"/>
-                      <a:round/>
-                      <a:headEnd type="none" w="med" len="med"/>
-                      <a:tailEnd type="none" w="med" len="med"/>
-                    </a:lnL>
-                    <a:lnR w="12700" cap="flat" cmpd="sng" algn="ctr">
-                      <a:solidFill>
-                        <a:schemeClr val="tx1"/>
-                      </a:solidFill>
-                      <a:prstDash val="solid"/>
-                      <a:round/>
-                      <a:headEnd type="none" w="med" len="med"/>
-                      <a:tailEnd type="none" w="med" len="med"/>
-                    </a:lnR>
-                    <a:lnT w="12700" cap="flat" cmpd="sng" algn="ctr">
-                      <a:solidFill>
-                        <a:schemeClr val="tx1"/>
-                      </a:solidFill>
-                      <a:prstDash val="solid"/>
-                      <a:round/>
-                      <a:headEnd type="none" w="med" len="med"/>
-                      <a:tailEnd type="none" w="med" len="med"/>
-                    </a:lnT>
-                    <a:lnB w="12700" cap="flat" cmpd="sng" algn="ctr">
-                      <a:solidFill>
-                        <a:schemeClr val="tx1"/>
-                      </a:solidFill>
-                      <a:prstDash val="solid"/>
-                      <a:round/>
-                      <a:headEnd type="none" w="med" len="med"/>
-                      <a:tailEnd type="none" w="med" len="med"/>
-                    </a:lnB>
-                  </a:tcPr>
-                </a:tc>
-                <a:tc>
-                  <a:txBody>
-                    <a:bodyPr/>
-                    <a:lstStyle/>
-                    <a:p>
-                      <a:r>
-                        <a:rPr lang="zh-CN" altLang="en-US" dirty="0" smtClean="0"/>
-                        <a:t>班级</a:t>
+                        <a:t>总人数</a:t>
                       </a:r>
                       <a:endParaRPr lang="zh-CN" altLang="en-US" dirty="0"/>
                     </a:p>
@@ -21705,6 +21431,159 @@
                     <a:p>
                       <a:r>
                         <a:rPr lang="zh-CN" altLang="en-US" dirty="0" smtClean="0"/>
+                        <a:t>查看原题</a:t>
+                      </a:r>
+                      <a:endParaRPr lang="zh-CN" altLang="en-US" dirty="0"/>
+                    </a:p>
+                  </a:txBody>
+                  <a:tcPr>
+                    <a:lnL w="12700" cap="flat" cmpd="sng" algn="ctr">
+                      <a:solidFill>
+                        <a:schemeClr val="tx1"/>
+                      </a:solidFill>
+                      <a:prstDash val="solid"/>
+                      <a:round/>
+                      <a:headEnd type="none" w="med" len="med"/>
+                      <a:tailEnd type="none" w="med" len="med"/>
+                    </a:lnL>
+                    <a:lnR w="12700" cap="flat" cmpd="sng" algn="ctr">
+                      <a:solidFill>
+                        <a:schemeClr val="tx1"/>
+                      </a:solidFill>
+                      <a:prstDash val="solid"/>
+                      <a:round/>
+                      <a:headEnd type="none" w="med" len="med"/>
+                      <a:tailEnd type="none" w="med" len="med"/>
+                    </a:lnR>
+                    <a:lnT w="12700" cap="flat" cmpd="sng" algn="ctr">
+                      <a:solidFill>
+                        <a:schemeClr val="tx1"/>
+                      </a:solidFill>
+                      <a:prstDash val="solid"/>
+                      <a:round/>
+                      <a:headEnd type="none" w="med" len="med"/>
+                      <a:tailEnd type="none" w="med" len="med"/>
+                    </a:lnT>
+                    <a:lnB w="12700" cap="flat" cmpd="sng" algn="ctr">
+                      <a:solidFill>
+                        <a:schemeClr val="tx1"/>
+                      </a:solidFill>
+                      <a:prstDash val="solid"/>
+                      <a:round/>
+                      <a:headEnd type="none" w="med" len="med"/>
+                      <a:tailEnd type="none" w="med" len="med"/>
+                    </a:lnB>
+                  </a:tcPr>
+                </a:tc>
+                <a:tc>
+                  <a:txBody>
+                    <a:bodyPr/>
+                    <a:lstStyle/>
+                    <a:p>
+                      <a:r>
+                        <a:rPr lang="zh-CN" altLang="en-US" dirty="0" smtClean="0"/>
+                        <a:t>出题人</a:t>
+                      </a:r>
+                      <a:endParaRPr lang="zh-CN" altLang="en-US" dirty="0"/>
+                    </a:p>
+                  </a:txBody>
+                  <a:tcPr>
+                    <a:lnL w="12700" cap="flat" cmpd="sng" algn="ctr">
+                      <a:solidFill>
+                        <a:schemeClr val="tx1"/>
+                      </a:solidFill>
+                      <a:prstDash val="solid"/>
+                      <a:round/>
+                      <a:headEnd type="none" w="med" len="med"/>
+                      <a:tailEnd type="none" w="med" len="med"/>
+                    </a:lnL>
+                    <a:lnR w="12700" cap="flat" cmpd="sng" algn="ctr">
+                      <a:solidFill>
+                        <a:schemeClr val="tx1"/>
+                      </a:solidFill>
+                      <a:prstDash val="solid"/>
+                      <a:round/>
+                      <a:headEnd type="none" w="med" len="med"/>
+                      <a:tailEnd type="none" w="med" len="med"/>
+                    </a:lnR>
+                    <a:lnT w="12700" cap="flat" cmpd="sng" algn="ctr">
+                      <a:solidFill>
+                        <a:schemeClr val="tx1"/>
+                      </a:solidFill>
+                      <a:prstDash val="solid"/>
+                      <a:round/>
+                      <a:headEnd type="none" w="med" len="med"/>
+                      <a:tailEnd type="none" w="med" len="med"/>
+                    </a:lnT>
+                    <a:lnB w="12700" cap="flat" cmpd="sng" algn="ctr">
+                      <a:solidFill>
+                        <a:schemeClr val="tx1"/>
+                      </a:solidFill>
+                      <a:prstDash val="solid"/>
+                      <a:round/>
+                      <a:headEnd type="none" w="med" len="med"/>
+                      <a:tailEnd type="none" w="med" len="med"/>
+                    </a:lnB>
+                  </a:tcPr>
+                </a:tc>
+                <a:tc>
+                  <a:txBody>
+                    <a:bodyPr/>
+                    <a:lstStyle/>
+                    <a:p>
+                      <a:r>
+                        <a:rPr lang="zh-CN" altLang="en-US" dirty="0" smtClean="0"/>
+                        <a:t>测试对象</a:t>
+                      </a:r>
+                      <a:endParaRPr lang="zh-CN" altLang="en-US" dirty="0"/>
+                    </a:p>
+                  </a:txBody>
+                  <a:tcPr>
+                    <a:lnL w="12700" cap="flat" cmpd="sng" algn="ctr">
+                      <a:solidFill>
+                        <a:schemeClr val="tx1"/>
+                      </a:solidFill>
+                      <a:prstDash val="solid"/>
+                      <a:round/>
+                      <a:headEnd type="none" w="med" len="med"/>
+                      <a:tailEnd type="none" w="med" len="med"/>
+                    </a:lnL>
+                    <a:lnR w="12700" cap="flat" cmpd="sng" algn="ctr">
+                      <a:solidFill>
+                        <a:schemeClr val="tx1"/>
+                      </a:solidFill>
+                      <a:prstDash val="solid"/>
+                      <a:round/>
+                      <a:headEnd type="none" w="med" len="med"/>
+                      <a:tailEnd type="none" w="med" len="med"/>
+                    </a:lnR>
+                    <a:lnT w="12700" cap="flat" cmpd="sng" algn="ctr">
+                      <a:solidFill>
+                        <a:schemeClr val="tx1"/>
+                      </a:solidFill>
+                      <a:prstDash val="solid"/>
+                      <a:round/>
+                      <a:headEnd type="none" w="med" len="med"/>
+                      <a:tailEnd type="none" w="med" len="med"/>
+                    </a:lnT>
+                    <a:lnB w="12700" cap="flat" cmpd="sng" algn="ctr">
+                      <a:solidFill>
+                        <a:schemeClr val="tx1"/>
+                      </a:solidFill>
+                      <a:prstDash val="solid"/>
+                      <a:round/>
+                      <a:headEnd type="none" w="med" len="med"/>
+                      <a:tailEnd type="none" w="med" len="med"/>
+                    </a:lnB>
+                  </a:tcPr>
+                </a:tc>
+                <a:tc>
+                  <a:txBody>
+                    <a:bodyPr/>
+                    <a:lstStyle/>
+                    <a:p>
+                      <a:r>
+                        <a:rPr lang="zh-CN" altLang="en-US" dirty="0" smtClean="0"/>
                         <a:t>详情</a:t>
                       </a:r>
                       <a:endParaRPr lang="zh-CN" altLang="en-US" dirty="0"/>
@@ -21809,7 +21688,7 @@
                     <a:p>
                       <a:r>
                         <a:rPr lang="en-US" altLang="zh-CN" dirty="0" smtClean="0"/>
-                        <a:t>2016-10-15</a:t>
+                        <a:t>1</a:t>
                       </a:r>
                       <a:endParaRPr lang="zh-CN" altLang="en-US" dirty="0"/>
                     </a:p>
@@ -21860,62 +21739,7 @@
                     <a:p>
                       <a:r>
                         <a:rPr lang="en-US" altLang="zh-CN" dirty="0" smtClean="0"/>
-                        <a:t>205</a:t>
-                      </a:r>
-                      <a:r>
-                        <a:rPr lang="zh-CN" altLang="en-US" dirty="0" smtClean="0"/>
-                        <a:t>教室</a:t>
-                      </a:r>
-                      <a:endParaRPr lang="zh-CN" altLang="en-US" dirty="0"/>
-                    </a:p>
-                  </a:txBody>
-                  <a:tcPr>
-                    <a:lnL w="12700" cap="flat" cmpd="sng" algn="ctr">
-                      <a:solidFill>
-                        <a:schemeClr val="tx1"/>
-                      </a:solidFill>
-                      <a:prstDash val="solid"/>
-                      <a:round/>
-                      <a:headEnd type="none" w="med" len="med"/>
-                      <a:tailEnd type="none" w="med" len="med"/>
-                    </a:lnL>
-                    <a:lnR w="12700" cap="flat" cmpd="sng" algn="ctr">
-                      <a:solidFill>
-                        <a:schemeClr val="tx1"/>
-                      </a:solidFill>
-                      <a:prstDash val="solid"/>
-                      <a:round/>
-                      <a:headEnd type="none" w="med" len="med"/>
-                      <a:tailEnd type="none" w="med" len="med"/>
-                    </a:lnR>
-                    <a:lnT w="12700" cap="flat" cmpd="sng" algn="ctr">
-                      <a:solidFill>
-                        <a:schemeClr val="tx1"/>
-                      </a:solidFill>
-                      <a:prstDash val="solid"/>
-                      <a:round/>
-                      <a:headEnd type="none" w="med" len="med"/>
-                      <a:tailEnd type="none" w="med" len="med"/>
-                    </a:lnT>
-                    <a:lnB w="12700" cap="flat" cmpd="sng" algn="ctr">
-                      <a:solidFill>
-                        <a:schemeClr val="tx1"/>
-                      </a:solidFill>
-                      <a:prstDash val="solid"/>
-                      <a:round/>
-                      <a:headEnd type="none" w="med" len="med"/>
-                      <a:tailEnd type="none" w="med" len="med"/>
-                    </a:lnB>
-                  </a:tcPr>
-                </a:tc>
-                <a:tc>
-                  <a:txBody>
-                    <a:bodyPr/>
-                    <a:lstStyle/>
-                    <a:p>
-                      <a:r>
-                        <a:rPr lang="zh-CN" altLang="en-US" dirty="0" smtClean="0"/>
-                        <a:t>实验一班</a:t>
+                        <a:t>45</a:t>
                       </a:r>
                       <a:endParaRPr lang="zh-CN" altLang="en-US" dirty="0"/>
                     </a:p>
@@ -21967,6 +21791,151 @@
                       <a:r>
                         <a:rPr lang="zh-CN" altLang="en-US" dirty="0" smtClean="0"/>
                         <a:t>心理学第一节</a:t>
+                      </a:r>
+                      <a:endParaRPr lang="zh-CN" altLang="en-US" dirty="0"/>
+                    </a:p>
+                  </a:txBody>
+                  <a:tcPr>
+                    <a:lnL w="12700" cap="flat" cmpd="sng" algn="ctr">
+                      <a:solidFill>
+                        <a:schemeClr val="tx1"/>
+                      </a:solidFill>
+                      <a:prstDash val="solid"/>
+                      <a:round/>
+                      <a:headEnd type="none" w="med" len="med"/>
+                      <a:tailEnd type="none" w="med" len="med"/>
+                    </a:lnL>
+                    <a:lnR w="12700" cap="flat" cmpd="sng" algn="ctr">
+                      <a:solidFill>
+                        <a:schemeClr val="tx1"/>
+                      </a:solidFill>
+                      <a:prstDash val="solid"/>
+                      <a:round/>
+                      <a:headEnd type="none" w="med" len="med"/>
+                      <a:tailEnd type="none" w="med" len="med"/>
+                    </a:lnR>
+                    <a:lnT w="12700" cap="flat" cmpd="sng" algn="ctr">
+                      <a:solidFill>
+                        <a:schemeClr val="tx1"/>
+                      </a:solidFill>
+                      <a:prstDash val="solid"/>
+                      <a:round/>
+                      <a:headEnd type="none" w="med" len="med"/>
+                      <a:tailEnd type="none" w="med" len="med"/>
+                    </a:lnT>
+                    <a:lnB w="12700" cap="flat" cmpd="sng" algn="ctr">
+                      <a:solidFill>
+                        <a:schemeClr val="tx1"/>
+                      </a:solidFill>
+                      <a:prstDash val="solid"/>
+                      <a:round/>
+                      <a:headEnd type="none" w="med" len="med"/>
+                      <a:tailEnd type="none" w="med" len="med"/>
+                    </a:lnB>
+                  </a:tcPr>
+                </a:tc>
+                <a:tc>
+                  <a:txBody>
+                    <a:bodyPr/>
+                    <a:lstStyle/>
+                    <a:p>
+                      <a:endParaRPr lang="zh-CN" altLang="en-US" dirty="0"/>
+                    </a:p>
+                  </a:txBody>
+                  <a:tcPr>
+                    <a:lnL w="12700" cap="flat" cmpd="sng" algn="ctr">
+                      <a:solidFill>
+                        <a:schemeClr val="tx1"/>
+                      </a:solidFill>
+                      <a:prstDash val="solid"/>
+                      <a:round/>
+                      <a:headEnd type="none" w="med" len="med"/>
+                      <a:tailEnd type="none" w="med" len="med"/>
+                    </a:lnL>
+                    <a:lnR w="12700" cap="flat" cmpd="sng" algn="ctr">
+                      <a:solidFill>
+                        <a:schemeClr val="tx1"/>
+                      </a:solidFill>
+                      <a:prstDash val="solid"/>
+                      <a:round/>
+                      <a:headEnd type="none" w="med" len="med"/>
+                      <a:tailEnd type="none" w="med" len="med"/>
+                    </a:lnR>
+                    <a:lnT w="12700" cap="flat" cmpd="sng" algn="ctr">
+                      <a:solidFill>
+                        <a:schemeClr val="tx1"/>
+                      </a:solidFill>
+                      <a:prstDash val="solid"/>
+                      <a:round/>
+                      <a:headEnd type="none" w="med" len="med"/>
+                      <a:tailEnd type="none" w="med" len="med"/>
+                    </a:lnT>
+                    <a:lnB w="12700" cap="flat" cmpd="sng" algn="ctr">
+                      <a:solidFill>
+                        <a:schemeClr val="tx1"/>
+                      </a:solidFill>
+                      <a:prstDash val="solid"/>
+                      <a:round/>
+                      <a:headEnd type="none" w="med" len="med"/>
+                      <a:tailEnd type="none" w="med" len="med"/>
+                    </a:lnB>
+                  </a:tcPr>
+                </a:tc>
+                <a:tc>
+                  <a:txBody>
+                    <a:bodyPr/>
+                    <a:lstStyle/>
+                    <a:p>
+                      <a:endParaRPr lang="zh-CN" altLang="en-US" dirty="0"/>
+                    </a:p>
+                  </a:txBody>
+                  <a:tcPr>
+                    <a:lnL w="12700" cap="flat" cmpd="sng" algn="ctr">
+                      <a:solidFill>
+                        <a:schemeClr val="tx1"/>
+                      </a:solidFill>
+                      <a:prstDash val="solid"/>
+                      <a:round/>
+                      <a:headEnd type="none" w="med" len="med"/>
+                      <a:tailEnd type="none" w="med" len="med"/>
+                    </a:lnL>
+                    <a:lnR w="12700" cap="flat" cmpd="sng" algn="ctr">
+                      <a:solidFill>
+                        <a:schemeClr val="tx1"/>
+                      </a:solidFill>
+                      <a:prstDash val="solid"/>
+                      <a:round/>
+                      <a:headEnd type="none" w="med" len="med"/>
+                      <a:tailEnd type="none" w="med" len="med"/>
+                    </a:lnR>
+                    <a:lnT w="12700" cap="flat" cmpd="sng" algn="ctr">
+                      <a:solidFill>
+                        <a:schemeClr val="tx1"/>
+                      </a:solidFill>
+                      <a:prstDash val="solid"/>
+                      <a:round/>
+                      <a:headEnd type="none" w="med" len="med"/>
+                      <a:tailEnd type="none" w="med" len="med"/>
+                    </a:lnT>
+                    <a:lnB w="12700" cap="flat" cmpd="sng" algn="ctr">
+                      <a:solidFill>
+                        <a:schemeClr val="tx1"/>
+                      </a:solidFill>
+                      <a:prstDash val="solid"/>
+                      <a:round/>
+                      <a:headEnd type="none" w="med" len="med"/>
+                      <a:tailEnd type="none" w="med" len="med"/>
+                    </a:lnB>
+                  </a:tcPr>
+                </a:tc>
+                <a:tc>
+                  <a:txBody>
+                    <a:bodyPr/>
+                    <a:lstStyle/>
+                    <a:p>
+                      <a:r>
+                        <a:rPr lang="zh-CN" altLang="en-US" dirty="0" smtClean="0"/>
+                        <a:t>全体</a:t>
                       </a:r>
                       <a:endParaRPr lang="zh-CN" altLang="en-US" dirty="0"/>
                     </a:p>
@@ -22021,7 +21990,7 @@
                             <a:srgbClr val="0070C0"/>
                           </a:solidFill>
                         </a:rPr>
-                        <a:t>概要</a:t>
+                        <a:t>详情</a:t>
                       </a:r>
                       <a:endParaRPr lang="zh-CN" altLang="en-US" u="sng" dirty="0">
                         <a:solidFill>
@@ -22078,7 +22047,109 @@
                     <a:p>
                       <a:r>
                         <a:rPr lang="en-US" altLang="zh-CN" dirty="0" smtClean="0"/>
+                        <a:t>3</a:t>
+                      </a:r>
+                      <a:endParaRPr lang="zh-CN" altLang="en-US" dirty="0"/>
+                    </a:p>
+                  </a:txBody>
+                  <a:tcPr>
+                    <a:lnL w="12700" cap="flat" cmpd="sng" algn="ctr">
+                      <a:solidFill>
+                        <a:schemeClr val="tx1"/>
+                      </a:solidFill>
+                      <a:prstDash val="solid"/>
+                      <a:round/>
+                      <a:headEnd type="none" w="med" len="med"/>
+                      <a:tailEnd type="none" w="med" len="med"/>
+                    </a:lnL>
+                    <a:lnR w="12700" cap="flat" cmpd="sng" algn="ctr">
+                      <a:solidFill>
+                        <a:schemeClr val="tx1"/>
+                      </a:solidFill>
+                      <a:prstDash val="solid"/>
+                      <a:round/>
+                      <a:headEnd type="none" w="med" len="med"/>
+                      <a:tailEnd type="none" w="med" len="med"/>
+                    </a:lnR>
+                    <a:lnT w="12700" cap="flat" cmpd="sng" algn="ctr">
+                      <a:solidFill>
+                        <a:schemeClr val="tx1"/>
+                      </a:solidFill>
+                      <a:prstDash val="solid"/>
+                      <a:round/>
+                      <a:headEnd type="none" w="med" len="med"/>
+                      <a:tailEnd type="none" w="med" len="med"/>
+                    </a:lnT>
+                    <a:lnB w="12700" cap="flat" cmpd="sng" algn="ctr">
+                      <a:solidFill>
+                        <a:schemeClr val="tx1"/>
+                      </a:solidFill>
+                      <a:prstDash val="solid"/>
+                      <a:round/>
+                      <a:headEnd type="none" w="med" len="med"/>
+                      <a:tailEnd type="none" w="med" len="med"/>
+                    </a:lnB>
+                  </a:tcPr>
+                </a:tc>
+                <a:tc>
+                  <a:txBody>
+                    <a:bodyPr/>
+                    <a:lstStyle/>
+                    <a:p>
+                      <a:r>
+                        <a:rPr lang="en-US" altLang="zh-CN" dirty="0" smtClean="0"/>
                         <a:t>2</a:t>
+                      </a:r>
+                      <a:endParaRPr lang="zh-CN" altLang="en-US" dirty="0"/>
+                    </a:p>
+                  </a:txBody>
+                  <a:tcPr>
+                    <a:lnL w="12700" cap="flat" cmpd="sng" algn="ctr">
+                      <a:solidFill>
+                        <a:schemeClr val="tx1"/>
+                      </a:solidFill>
+                      <a:prstDash val="solid"/>
+                      <a:round/>
+                      <a:headEnd type="none" w="med" len="med"/>
+                      <a:tailEnd type="none" w="med" len="med"/>
+                    </a:lnL>
+                    <a:lnR w="12700" cap="flat" cmpd="sng" algn="ctr">
+                      <a:solidFill>
+                        <a:schemeClr val="tx1"/>
+                      </a:solidFill>
+                      <a:prstDash val="solid"/>
+                      <a:round/>
+                      <a:headEnd type="none" w="med" len="med"/>
+                      <a:tailEnd type="none" w="med" len="med"/>
+                    </a:lnR>
+                    <a:lnT w="12700" cap="flat" cmpd="sng" algn="ctr">
+                      <a:solidFill>
+                        <a:schemeClr val="tx1"/>
+                      </a:solidFill>
+                      <a:prstDash val="solid"/>
+                      <a:round/>
+                      <a:headEnd type="none" w="med" len="med"/>
+                      <a:tailEnd type="none" w="med" len="med"/>
+                    </a:lnT>
+                    <a:lnB w="12700" cap="flat" cmpd="sng" algn="ctr">
+                      <a:solidFill>
+                        <a:schemeClr val="tx1"/>
+                      </a:solidFill>
+                      <a:prstDash val="solid"/>
+                      <a:round/>
+                      <a:headEnd type="none" w="med" len="med"/>
+                      <a:tailEnd type="none" w="med" len="med"/>
+                    </a:lnB>
+                  </a:tcPr>
+                </a:tc>
+                <a:tc>
+                  <a:txBody>
+                    <a:bodyPr/>
+                    <a:lstStyle/>
+                    <a:p>
+                      <a:r>
+                        <a:rPr lang="en-US" altLang="zh-CN" dirty="0" smtClean="0"/>
+                        <a:t>45</a:t>
                       </a:r>
                       <a:endParaRPr lang="zh-CN" altLang="en-US" dirty="0"/>
                     </a:p>
@@ -22145,116 +22216,9 @@
                         <a:defRPr/>
                       </a:pPr>
                       <a:r>
-                        <a:rPr lang="en-US" altLang="zh-CN" dirty="0" smtClean="0"/>
-                        <a:t>2016-10-15</a:t>
-                      </a:r>
-                      <a:endParaRPr lang="zh-CN" altLang="en-US" dirty="0" smtClean="0"/>
-                    </a:p>
-                  </a:txBody>
-                  <a:tcPr>
-                    <a:lnL w="12700" cap="flat" cmpd="sng" algn="ctr">
-                      <a:solidFill>
-                        <a:schemeClr val="tx1"/>
-                      </a:solidFill>
-                      <a:prstDash val="solid"/>
-                      <a:round/>
-                      <a:headEnd type="none" w="med" len="med"/>
-                      <a:tailEnd type="none" w="med" len="med"/>
-                    </a:lnL>
-                    <a:lnR w="12700" cap="flat" cmpd="sng" algn="ctr">
-                      <a:solidFill>
-                        <a:schemeClr val="tx1"/>
-                      </a:solidFill>
-                      <a:prstDash val="solid"/>
-                      <a:round/>
-                      <a:headEnd type="none" w="med" len="med"/>
-                      <a:tailEnd type="none" w="med" len="med"/>
-                    </a:lnR>
-                    <a:lnT w="12700" cap="flat" cmpd="sng" algn="ctr">
-                      <a:solidFill>
-                        <a:schemeClr val="tx1"/>
-                      </a:solidFill>
-                      <a:prstDash val="solid"/>
-                      <a:round/>
-                      <a:headEnd type="none" w="med" len="med"/>
-                      <a:tailEnd type="none" w="med" len="med"/>
-                    </a:lnT>
-                    <a:lnB w="12700" cap="flat" cmpd="sng" algn="ctr">
-                      <a:solidFill>
-                        <a:schemeClr val="tx1"/>
-                      </a:solidFill>
-                      <a:prstDash val="solid"/>
-                      <a:round/>
-                      <a:headEnd type="none" w="med" len="med"/>
-                      <a:tailEnd type="none" w="med" len="med"/>
-                    </a:lnB>
-                  </a:tcPr>
-                </a:tc>
-                <a:tc>
-                  <a:txBody>
-                    <a:bodyPr/>
-                    <a:lstStyle/>
-                    <a:p>
-                      <a:r>
-                        <a:rPr lang="en-US" altLang="zh-CN" dirty="0" smtClean="0"/>
-                        <a:t>205</a:t>
-                      </a:r>
-                      <a:r>
                         <a:rPr lang="zh-CN" altLang="en-US" dirty="0" smtClean="0"/>
-                        <a:t>教室</a:t>
-                      </a:r>
-                      <a:endParaRPr lang="zh-CN" altLang="en-US" dirty="0"/>
-                    </a:p>
-                  </a:txBody>
-                  <a:tcPr>
-                    <a:lnL w="12700" cap="flat" cmpd="sng" algn="ctr">
-                      <a:solidFill>
-                        <a:schemeClr val="tx1"/>
-                      </a:solidFill>
-                      <a:prstDash val="solid"/>
-                      <a:round/>
-                      <a:headEnd type="none" w="med" len="med"/>
-                      <a:tailEnd type="none" w="med" len="med"/>
-                    </a:lnL>
-                    <a:lnR w="12700" cap="flat" cmpd="sng" algn="ctr">
-                      <a:solidFill>
-                        <a:schemeClr val="tx1"/>
-                      </a:solidFill>
-                      <a:prstDash val="solid"/>
-                      <a:round/>
-                      <a:headEnd type="none" w="med" len="med"/>
-                      <a:tailEnd type="none" w="med" len="med"/>
-                    </a:lnR>
-                    <a:lnT w="12700" cap="flat" cmpd="sng" algn="ctr">
-                      <a:solidFill>
-                        <a:schemeClr val="tx1"/>
-                      </a:solidFill>
-                      <a:prstDash val="solid"/>
-                      <a:round/>
-                      <a:headEnd type="none" w="med" len="med"/>
-                      <a:tailEnd type="none" w="med" len="med"/>
-                    </a:lnT>
-                    <a:lnB w="12700" cap="flat" cmpd="sng" algn="ctr">
-                      <a:solidFill>
-                        <a:schemeClr val="tx1"/>
-                      </a:solidFill>
-                      <a:prstDash val="solid"/>
-                      <a:round/>
-                      <a:headEnd type="none" w="med" len="med"/>
-                      <a:tailEnd type="none" w="med" len="med"/>
-                    </a:lnB>
-                  </a:tcPr>
-                </a:tc>
-                <a:tc>
-                  <a:txBody>
-                    <a:bodyPr/>
-                    <a:lstStyle/>
-                    <a:p>
-                      <a:r>
-                        <a:rPr lang="zh-CN" altLang="en-US" dirty="0" smtClean="0"/>
-                        <a:t>实验二班</a:t>
-                      </a:r>
-                      <a:endParaRPr lang="zh-CN" altLang="en-US" dirty="0"/>
+                        <a:t>心理学第二节</a:t>
+                      </a:r>
                     </a:p>
                   </a:txBody>
                   <a:tcPr>
@@ -22318,10 +22282,7 @@
                         <a:tabLst/>
                         <a:defRPr/>
                       </a:pPr>
-                      <a:r>
-                        <a:rPr lang="zh-CN" altLang="en-US" dirty="0" smtClean="0"/>
-                        <a:t>心理学第一节</a:t>
-                      </a:r>
+                      <a:endParaRPr lang="zh-CN" altLang="en-US" dirty="0" smtClean="0"/>
                     </a:p>
                   </a:txBody>
                   <a:tcPr>
@@ -22385,224 +22346,7 @@
                         <a:tabLst/>
                         <a:defRPr/>
                       </a:pPr>
-                      <a:r>
-                        <a:rPr lang="zh-CN" altLang="en-US" u="sng" dirty="0" smtClean="0">
-                          <a:solidFill>
-                            <a:srgbClr val="0070C0"/>
-                          </a:solidFill>
-                        </a:rPr>
-                        <a:t>概要</a:t>
-                      </a:r>
-                    </a:p>
-                  </a:txBody>
-                  <a:tcPr>
-                    <a:lnL w="12700" cap="flat" cmpd="sng" algn="ctr">
-                      <a:solidFill>
-                        <a:schemeClr val="tx1"/>
-                      </a:solidFill>
-                      <a:prstDash val="solid"/>
-                      <a:round/>
-                      <a:headEnd type="none" w="med" len="med"/>
-                      <a:tailEnd type="none" w="med" len="med"/>
-                    </a:lnL>
-                    <a:lnR w="12700" cap="flat" cmpd="sng" algn="ctr">
-                      <a:solidFill>
-                        <a:schemeClr val="tx1"/>
-                      </a:solidFill>
-                      <a:prstDash val="solid"/>
-                      <a:round/>
-                      <a:headEnd type="none" w="med" len="med"/>
-                      <a:tailEnd type="none" w="med" len="med"/>
-                    </a:lnR>
-                    <a:lnT w="12700" cap="flat" cmpd="sng" algn="ctr">
-                      <a:solidFill>
-                        <a:schemeClr val="tx1"/>
-                      </a:solidFill>
-                      <a:prstDash val="solid"/>
-                      <a:round/>
-                      <a:headEnd type="none" w="med" len="med"/>
-                      <a:tailEnd type="none" w="med" len="med"/>
-                    </a:lnT>
-                    <a:lnB w="12700" cap="flat" cmpd="sng" algn="ctr">
-                      <a:solidFill>
-                        <a:schemeClr val="tx1"/>
-                      </a:solidFill>
-                      <a:prstDash val="solid"/>
-                      <a:round/>
-                      <a:headEnd type="none" w="med" len="med"/>
-                      <a:tailEnd type="none" w="med" len="med"/>
-                    </a:lnB>
-                  </a:tcPr>
-                </a:tc>
-              </a:tr>
-              <a:tr h="370840">
-                <a:tc>
-                  <a:txBody>
-                    <a:bodyPr/>
-                    <a:lstStyle/>
-                    <a:p>
-                      <a:r>
-                        <a:rPr lang="en-US" altLang="zh-CN" dirty="0" smtClean="0"/>
-                        <a:t>3</a:t>
-                      </a:r>
-                      <a:endParaRPr lang="zh-CN" altLang="en-US" dirty="0"/>
-                    </a:p>
-                  </a:txBody>
-                  <a:tcPr>
-                    <a:lnL w="12700" cap="flat" cmpd="sng" algn="ctr">
-                      <a:solidFill>
-                        <a:schemeClr val="tx1"/>
-                      </a:solidFill>
-                      <a:prstDash val="solid"/>
-                      <a:round/>
-                      <a:headEnd type="none" w="med" len="med"/>
-                      <a:tailEnd type="none" w="med" len="med"/>
-                    </a:lnL>
-                    <a:lnR w="12700" cap="flat" cmpd="sng" algn="ctr">
-                      <a:solidFill>
-                        <a:schemeClr val="tx1"/>
-                      </a:solidFill>
-                      <a:prstDash val="solid"/>
-                      <a:round/>
-                      <a:headEnd type="none" w="med" len="med"/>
-                      <a:tailEnd type="none" w="med" len="med"/>
-                    </a:lnR>
-                    <a:lnT w="12700" cap="flat" cmpd="sng" algn="ctr">
-                      <a:solidFill>
-                        <a:schemeClr val="tx1"/>
-                      </a:solidFill>
-                      <a:prstDash val="solid"/>
-                      <a:round/>
-                      <a:headEnd type="none" w="med" len="med"/>
-                      <a:tailEnd type="none" w="med" len="med"/>
-                    </a:lnT>
-                    <a:lnB w="12700" cap="flat" cmpd="sng" algn="ctr">
-                      <a:solidFill>
-                        <a:schemeClr val="tx1"/>
-                      </a:solidFill>
-                      <a:prstDash val="solid"/>
-                      <a:round/>
-                      <a:headEnd type="none" w="med" len="med"/>
-                      <a:tailEnd type="none" w="med" len="med"/>
-                    </a:lnB>
-                  </a:tcPr>
-                </a:tc>
-                <a:tc>
-                  <a:txBody>
-                    <a:bodyPr/>
-                    <a:lstStyle/>
-                    <a:p>
-                      <a:r>
-                        <a:rPr lang="en-US" altLang="zh-CN" dirty="0" smtClean="0"/>
-                        <a:t>2016-10-16</a:t>
-                      </a:r>
-                      <a:endParaRPr lang="zh-CN" altLang="en-US" dirty="0"/>
-                    </a:p>
-                  </a:txBody>
-                  <a:tcPr>
-                    <a:lnL w="12700" cap="flat" cmpd="sng" algn="ctr">
-                      <a:solidFill>
-                        <a:schemeClr val="tx1"/>
-                      </a:solidFill>
-                      <a:prstDash val="solid"/>
-                      <a:round/>
-                      <a:headEnd type="none" w="med" len="med"/>
-                      <a:tailEnd type="none" w="med" len="med"/>
-                    </a:lnL>
-                    <a:lnR w="12700" cap="flat" cmpd="sng" algn="ctr">
-                      <a:solidFill>
-                        <a:schemeClr val="tx1"/>
-                      </a:solidFill>
-                      <a:prstDash val="solid"/>
-                      <a:round/>
-                      <a:headEnd type="none" w="med" len="med"/>
-                      <a:tailEnd type="none" w="med" len="med"/>
-                    </a:lnR>
-                    <a:lnT w="12700" cap="flat" cmpd="sng" algn="ctr">
-                      <a:solidFill>
-                        <a:schemeClr val="tx1"/>
-                      </a:solidFill>
-                      <a:prstDash val="solid"/>
-                      <a:round/>
-                      <a:headEnd type="none" w="med" len="med"/>
-                      <a:tailEnd type="none" w="med" len="med"/>
-                    </a:lnT>
-                    <a:lnB w="12700" cap="flat" cmpd="sng" algn="ctr">
-                      <a:solidFill>
-                        <a:schemeClr val="tx1"/>
-                      </a:solidFill>
-                      <a:prstDash val="solid"/>
-                      <a:round/>
-                      <a:headEnd type="none" w="med" len="med"/>
-                      <a:tailEnd type="none" w="med" len="med"/>
-                    </a:lnB>
-                  </a:tcPr>
-                </a:tc>
-                <a:tc>
-                  <a:txBody>
-                    <a:bodyPr/>
-                    <a:lstStyle/>
-                    <a:p>
-                      <a:r>
-                        <a:rPr lang="en-US" altLang="zh-CN" dirty="0" smtClean="0"/>
-                        <a:t>205</a:t>
-                      </a:r>
-                      <a:r>
-                        <a:rPr lang="zh-CN" altLang="en-US" dirty="0" smtClean="0"/>
-                        <a:t>教室</a:t>
-                      </a:r>
-                      <a:endParaRPr lang="zh-CN" altLang="en-US" dirty="0"/>
-                    </a:p>
-                  </a:txBody>
-                  <a:tcPr>
-                    <a:lnL w="12700" cap="flat" cmpd="sng" algn="ctr">
-                      <a:solidFill>
-                        <a:schemeClr val="tx1"/>
-                      </a:solidFill>
-                      <a:prstDash val="solid"/>
-                      <a:round/>
-                      <a:headEnd type="none" w="med" len="med"/>
-                      <a:tailEnd type="none" w="med" len="med"/>
-                    </a:lnL>
-                    <a:lnR w="12700" cap="flat" cmpd="sng" algn="ctr">
-                      <a:solidFill>
-                        <a:schemeClr val="tx1"/>
-                      </a:solidFill>
-                      <a:prstDash val="solid"/>
-                      <a:round/>
-                      <a:headEnd type="none" w="med" len="med"/>
-                      <a:tailEnd type="none" w="med" len="med"/>
-                    </a:lnR>
-                    <a:lnT w="12700" cap="flat" cmpd="sng" algn="ctr">
-                      <a:solidFill>
-                        <a:schemeClr val="tx1"/>
-                      </a:solidFill>
-                      <a:prstDash val="solid"/>
-                      <a:round/>
-                      <a:headEnd type="none" w="med" len="med"/>
-                      <a:tailEnd type="none" w="med" len="med"/>
-                    </a:lnT>
-                    <a:lnB w="12700" cap="flat" cmpd="sng" algn="ctr">
-                      <a:solidFill>
-                        <a:schemeClr val="tx1"/>
-                      </a:solidFill>
-                      <a:prstDash val="solid"/>
-                      <a:round/>
-                      <a:headEnd type="none" w="med" len="med"/>
-                      <a:tailEnd type="none" w="med" len="med"/>
-                    </a:lnB>
-                  </a:tcPr>
-                </a:tc>
-                <a:tc>
-                  <a:txBody>
-                    <a:bodyPr/>
-                    <a:lstStyle/>
-                    <a:p>
-                      <a:r>
-                        <a:rPr lang="zh-CN" altLang="en-US" dirty="0" smtClean="0"/>
-                        <a:t>实验一班</a:t>
-                      </a:r>
-                      <a:endParaRPr lang="zh-CN" altLang="en-US" dirty="0"/>
+                      <a:endParaRPr lang="zh-CN" altLang="en-US" dirty="0" smtClean="0"/>
                     </a:p>
                   </a:txBody>
                   <a:tcPr>
@@ -22668,8 +22412,9 @@
                       </a:pPr>
                       <a:r>
                         <a:rPr lang="zh-CN" altLang="en-US" dirty="0" smtClean="0"/>
-                        <a:t>心理学第二节</a:t>
-                      </a:r>
+                        <a:t>实验一班</a:t>
+                      </a:r>
+                      <a:endParaRPr lang="zh-CN" altLang="en-US" dirty="0" smtClean="0"/>
                     </a:p>
                   </a:txBody>
                   <a:tcPr>
@@ -22722,378 +22467,13 @@
                             <a:srgbClr val="0070C0"/>
                           </a:solidFill>
                         </a:rPr>
-                        <a:t>概要</a:t>
+                        <a:t>详情</a:t>
                       </a:r>
                       <a:endParaRPr lang="zh-CN" altLang="en-US" u="sng" dirty="0">
                         <a:solidFill>
                           <a:srgbClr val="0070C0"/>
                         </a:solidFill>
                       </a:endParaRPr>
-                    </a:p>
-                  </a:txBody>
-                  <a:tcPr>
-                    <a:lnL w="12700" cap="flat" cmpd="sng" algn="ctr">
-                      <a:solidFill>
-                        <a:schemeClr val="tx1"/>
-                      </a:solidFill>
-                      <a:prstDash val="solid"/>
-                      <a:round/>
-                      <a:headEnd type="none" w="med" len="med"/>
-                      <a:tailEnd type="none" w="med" len="med"/>
-                    </a:lnL>
-                    <a:lnR w="12700" cap="flat" cmpd="sng" algn="ctr">
-                      <a:solidFill>
-                        <a:schemeClr val="tx1"/>
-                      </a:solidFill>
-                      <a:prstDash val="solid"/>
-                      <a:round/>
-                      <a:headEnd type="none" w="med" len="med"/>
-                      <a:tailEnd type="none" w="med" len="med"/>
-                    </a:lnR>
-                    <a:lnT w="12700" cap="flat" cmpd="sng" algn="ctr">
-                      <a:solidFill>
-                        <a:schemeClr val="tx1"/>
-                      </a:solidFill>
-                      <a:prstDash val="solid"/>
-                      <a:round/>
-                      <a:headEnd type="none" w="med" len="med"/>
-                      <a:tailEnd type="none" w="med" len="med"/>
-                    </a:lnT>
-                    <a:lnB w="12700" cap="flat" cmpd="sng" algn="ctr">
-                      <a:solidFill>
-                        <a:schemeClr val="tx1"/>
-                      </a:solidFill>
-                      <a:prstDash val="solid"/>
-                      <a:round/>
-                      <a:headEnd type="none" w="med" len="med"/>
-                      <a:tailEnd type="none" w="med" len="med"/>
-                    </a:lnB>
-                  </a:tcPr>
-                </a:tc>
-              </a:tr>
-              <a:tr h="370840">
-                <a:tc>
-                  <a:txBody>
-                    <a:bodyPr/>
-                    <a:lstStyle/>
-                    <a:p>
-                      <a:r>
-                        <a:rPr lang="en-US" altLang="zh-CN" dirty="0" smtClean="0"/>
-                        <a:t>4</a:t>
-                      </a:r>
-                      <a:endParaRPr lang="zh-CN" altLang="en-US" dirty="0"/>
-                    </a:p>
-                  </a:txBody>
-                  <a:tcPr>
-                    <a:lnL w="12700" cap="flat" cmpd="sng" algn="ctr">
-                      <a:solidFill>
-                        <a:schemeClr val="tx1"/>
-                      </a:solidFill>
-                      <a:prstDash val="solid"/>
-                      <a:round/>
-                      <a:headEnd type="none" w="med" len="med"/>
-                      <a:tailEnd type="none" w="med" len="med"/>
-                    </a:lnL>
-                    <a:lnR w="12700" cap="flat" cmpd="sng" algn="ctr">
-                      <a:solidFill>
-                        <a:schemeClr val="tx1"/>
-                      </a:solidFill>
-                      <a:prstDash val="solid"/>
-                      <a:round/>
-                      <a:headEnd type="none" w="med" len="med"/>
-                      <a:tailEnd type="none" w="med" len="med"/>
-                    </a:lnR>
-                    <a:lnT w="12700" cap="flat" cmpd="sng" algn="ctr">
-                      <a:solidFill>
-                        <a:schemeClr val="tx1"/>
-                      </a:solidFill>
-                      <a:prstDash val="solid"/>
-                      <a:round/>
-                      <a:headEnd type="none" w="med" len="med"/>
-                      <a:tailEnd type="none" w="med" len="med"/>
-                    </a:lnT>
-                    <a:lnB w="12700" cap="flat" cmpd="sng" algn="ctr">
-                      <a:solidFill>
-                        <a:schemeClr val="tx1"/>
-                      </a:solidFill>
-                      <a:prstDash val="solid"/>
-                      <a:round/>
-                      <a:headEnd type="none" w="med" len="med"/>
-                      <a:tailEnd type="none" w="med" len="med"/>
-                    </a:lnB>
-                  </a:tcPr>
-                </a:tc>
-                <a:tc>
-                  <a:txBody>
-                    <a:bodyPr/>
-                    <a:lstStyle/>
-                    <a:p>
-                      <a:pPr marL="0" marR="0" indent="0" algn="l" defTabSz="914400" rtl="0" eaLnBrk="1" fontAlgn="auto" latinLnBrk="0" hangingPunct="1">
-                        <a:lnSpc>
-                          <a:spcPct val="100000"/>
-                        </a:lnSpc>
-                        <a:spcBef>
-                          <a:spcPts val="0"/>
-                        </a:spcBef>
-                        <a:spcAft>
-                          <a:spcPts val="0"/>
-                        </a:spcAft>
-                        <a:buClrTx/>
-                        <a:buSzTx/>
-                        <a:buFontTx/>
-                        <a:buNone/>
-                        <a:tabLst/>
-                        <a:defRPr/>
-                      </a:pPr>
-                      <a:r>
-                        <a:rPr lang="en-US" altLang="zh-CN" dirty="0" smtClean="0"/>
-                        <a:t>2016-10-16</a:t>
-                      </a:r>
-                      <a:endParaRPr lang="zh-CN" altLang="en-US" dirty="0" smtClean="0"/>
-                    </a:p>
-                  </a:txBody>
-                  <a:tcPr>
-                    <a:lnL w="12700" cap="flat" cmpd="sng" algn="ctr">
-                      <a:solidFill>
-                        <a:schemeClr val="tx1"/>
-                      </a:solidFill>
-                      <a:prstDash val="solid"/>
-                      <a:round/>
-                      <a:headEnd type="none" w="med" len="med"/>
-                      <a:tailEnd type="none" w="med" len="med"/>
-                    </a:lnL>
-                    <a:lnR w="12700" cap="flat" cmpd="sng" algn="ctr">
-                      <a:solidFill>
-                        <a:schemeClr val="tx1"/>
-                      </a:solidFill>
-                      <a:prstDash val="solid"/>
-                      <a:round/>
-                      <a:headEnd type="none" w="med" len="med"/>
-                      <a:tailEnd type="none" w="med" len="med"/>
-                    </a:lnR>
-                    <a:lnT w="12700" cap="flat" cmpd="sng" algn="ctr">
-                      <a:solidFill>
-                        <a:schemeClr val="tx1"/>
-                      </a:solidFill>
-                      <a:prstDash val="solid"/>
-                      <a:round/>
-                      <a:headEnd type="none" w="med" len="med"/>
-                      <a:tailEnd type="none" w="med" len="med"/>
-                    </a:lnT>
-                    <a:lnB w="12700" cap="flat" cmpd="sng" algn="ctr">
-                      <a:solidFill>
-                        <a:schemeClr val="tx1"/>
-                      </a:solidFill>
-                      <a:prstDash val="solid"/>
-                      <a:round/>
-                      <a:headEnd type="none" w="med" len="med"/>
-                      <a:tailEnd type="none" w="med" len="med"/>
-                    </a:lnB>
-                  </a:tcPr>
-                </a:tc>
-                <a:tc>
-                  <a:txBody>
-                    <a:bodyPr/>
-                    <a:lstStyle/>
-                    <a:p>
-                      <a:r>
-                        <a:rPr lang="en-US" altLang="zh-CN" dirty="0" smtClean="0"/>
-                        <a:t>205</a:t>
-                      </a:r>
-                      <a:r>
-                        <a:rPr lang="zh-CN" altLang="en-US" dirty="0" smtClean="0"/>
-                        <a:t>教室</a:t>
-                      </a:r>
-                      <a:endParaRPr lang="zh-CN" altLang="en-US" dirty="0"/>
-                    </a:p>
-                  </a:txBody>
-                  <a:tcPr>
-                    <a:lnL w="12700" cap="flat" cmpd="sng" algn="ctr">
-                      <a:solidFill>
-                        <a:schemeClr val="tx1"/>
-                      </a:solidFill>
-                      <a:prstDash val="solid"/>
-                      <a:round/>
-                      <a:headEnd type="none" w="med" len="med"/>
-                      <a:tailEnd type="none" w="med" len="med"/>
-                    </a:lnL>
-                    <a:lnR w="12700" cap="flat" cmpd="sng" algn="ctr">
-                      <a:solidFill>
-                        <a:schemeClr val="tx1"/>
-                      </a:solidFill>
-                      <a:prstDash val="solid"/>
-                      <a:round/>
-                      <a:headEnd type="none" w="med" len="med"/>
-                      <a:tailEnd type="none" w="med" len="med"/>
-                    </a:lnR>
-                    <a:lnT w="12700" cap="flat" cmpd="sng" algn="ctr">
-                      <a:solidFill>
-                        <a:schemeClr val="tx1"/>
-                      </a:solidFill>
-                      <a:prstDash val="solid"/>
-                      <a:round/>
-                      <a:headEnd type="none" w="med" len="med"/>
-                      <a:tailEnd type="none" w="med" len="med"/>
-                    </a:lnT>
-                    <a:lnB w="12700" cap="flat" cmpd="sng" algn="ctr">
-                      <a:solidFill>
-                        <a:schemeClr val="tx1"/>
-                      </a:solidFill>
-                      <a:prstDash val="solid"/>
-                      <a:round/>
-                      <a:headEnd type="none" w="med" len="med"/>
-                      <a:tailEnd type="none" w="med" len="med"/>
-                    </a:lnB>
-                  </a:tcPr>
-                </a:tc>
-                <a:tc>
-                  <a:txBody>
-                    <a:bodyPr/>
-                    <a:lstStyle/>
-                    <a:p>
-                      <a:r>
-                        <a:rPr lang="zh-CN" altLang="en-US" dirty="0" smtClean="0"/>
-                        <a:t>实验二班</a:t>
-                      </a:r>
-                      <a:endParaRPr lang="zh-CN" altLang="en-US" dirty="0"/>
-                    </a:p>
-                  </a:txBody>
-                  <a:tcPr>
-                    <a:lnL w="12700" cap="flat" cmpd="sng" algn="ctr">
-                      <a:solidFill>
-                        <a:schemeClr val="tx1"/>
-                      </a:solidFill>
-                      <a:prstDash val="solid"/>
-                      <a:round/>
-                      <a:headEnd type="none" w="med" len="med"/>
-                      <a:tailEnd type="none" w="med" len="med"/>
-                    </a:lnL>
-                    <a:lnR w="12700" cap="flat" cmpd="sng" algn="ctr">
-                      <a:solidFill>
-                        <a:schemeClr val="tx1"/>
-                      </a:solidFill>
-                      <a:prstDash val="solid"/>
-                      <a:round/>
-                      <a:headEnd type="none" w="med" len="med"/>
-                      <a:tailEnd type="none" w="med" len="med"/>
-                    </a:lnR>
-                    <a:lnT w="12700" cap="flat" cmpd="sng" algn="ctr">
-                      <a:solidFill>
-                        <a:schemeClr val="tx1"/>
-                      </a:solidFill>
-                      <a:prstDash val="solid"/>
-                      <a:round/>
-                      <a:headEnd type="none" w="med" len="med"/>
-                      <a:tailEnd type="none" w="med" len="med"/>
-                    </a:lnT>
-                    <a:lnB w="12700" cap="flat" cmpd="sng" algn="ctr">
-                      <a:solidFill>
-                        <a:schemeClr val="tx1"/>
-                      </a:solidFill>
-                      <a:prstDash val="solid"/>
-                      <a:round/>
-                      <a:headEnd type="none" w="med" len="med"/>
-                      <a:tailEnd type="none" w="med" len="med"/>
-                    </a:lnB>
-                  </a:tcPr>
-                </a:tc>
-                <a:tc>
-                  <a:txBody>
-                    <a:bodyPr/>
-                    <a:lstStyle/>
-                    <a:p>
-                      <a:pPr marL="0" marR="0" indent="0" algn="l" defTabSz="914400" rtl="0" eaLnBrk="1" fontAlgn="auto" latinLnBrk="0" hangingPunct="1">
-                        <a:lnSpc>
-                          <a:spcPct val="100000"/>
-                        </a:lnSpc>
-                        <a:spcBef>
-                          <a:spcPts val="0"/>
-                        </a:spcBef>
-                        <a:spcAft>
-                          <a:spcPts val="0"/>
-                        </a:spcAft>
-                        <a:buClrTx/>
-                        <a:buSzTx/>
-                        <a:buFontTx/>
-                        <a:buNone/>
-                        <a:tabLst/>
-                        <a:defRPr/>
-                      </a:pPr>
-                      <a:r>
-                        <a:rPr lang="zh-CN" altLang="en-US" dirty="0" smtClean="0"/>
-                        <a:t>心理学第二节</a:t>
-                      </a:r>
-                    </a:p>
-                  </a:txBody>
-                  <a:tcPr>
-                    <a:lnL w="12700" cap="flat" cmpd="sng" algn="ctr">
-                      <a:solidFill>
-                        <a:schemeClr val="tx1"/>
-                      </a:solidFill>
-                      <a:prstDash val="solid"/>
-                      <a:round/>
-                      <a:headEnd type="none" w="med" len="med"/>
-                      <a:tailEnd type="none" w="med" len="med"/>
-                    </a:lnL>
-                    <a:lnR w="12700" cap="flat" cmpd="sng" algn="ctr">
-                      <a:solidFill>
-                        <a:schemeClr val="tx1"/>
-                      </a:solidFill>
-                      <a:prstDash val="solid"/>
-                      <a:round/>
-                      <a:headEnd type="none" w="med" len="med"/>
-                      <a:tailEnd type="none" w="med" len="med"/>
-                    </a:lnR>
-                    <a:lnT w="12700" cap="flat" cmpd="sng" algn="ctr">
-                      <a:solidFill>
-                        <a:schemeClr val="tx1"/>
-                      </a:solidFill>
-                      <a:prstDash val="solid"/>
-                      <a:round/>
-                      <a:headEnd type="none" w="med" len="med"/>
-                      <a:tailEnd type="none" w="med" len="med"/>
-                    </a:lnT>
-                    <a:lnB w="12700" cap="flat" cmpd="sng" algn="ctr">
-                      <a:solidFill>
-                        <a:schemeClr val="tx1"/>
-                      </a:solidFill>
-                      <a:prstDash val="solid"/>
-                      <a:round/>
-                      <a:headEnd type="none" w="med" len="med"/>
-                      <a:tailEnd type="none" w="med" len="med"/>
-                    </a:lnB>
-                  </a:tcPr>
-                </a:tc>
-                <a:tc>
-                  <a:txBody>
-                    <a:bodyPr/>
-                    <a:lstStyle/>
-                    <a:p>
-                      <a:pPr marL="0" marR="0" indent="0" algn="l" defTabSz="914400" rtl="0" eaLnBrk="1" fontAlgn="auto" latinLnBrk="0" hangingPunct="1">
-                        <a:lnSpc>
-                          <a:spcPct val="100000"/>
-                        </a:lnSpc>
-                        <a:spcBef>
-                          <a:spcPts val="0"/>
-                        </a:spcBef>
-                        <a:spcAft>
-                          <a:spcPts val="0"/>
-                        </a:spcAft>
-                        <a:buClrTx/>
-                        <a:buSzTx/>
-                        <a:buFontTx/>
-                        <a:buNone/>
-                        <a:tabLst/>
-                        <a:defRPr/>
-                      </a:pPr>
-                      <a:r>
-                        <a:rPr lang="zh-CN" altLang="en-US" u="sng" dirty="0" smtClean="0">
-                          <a:solidFill>
-                            <a:srgbClr val="0070C0"/>
-                          </a:solidFill>
-                        </a:rPr>
-                        <a:t>概要</a:t>
-                      </a:r>
                     </a:p>
                   </a:txBody>
                   <a:tcPr>
@@ -23164,11 +22544,41 @@
           <a:p>
             <a:r>
               <a:rPr lang="zh-CN" altLang="en-US" dirty="0" smtClean="0"/>
-              <a:t>考试行为数据</a:t>
+              <a:t>试卷测试数据</a:t>
             </a:r>
             <a:r>
               <a:rPr lang="en-US" altLang="zh-CN" dirty="0" smtClean="0"/>
               <a:t>-list</a:t>
+            </a:r>
+            <a:endParaRPr lang="zh-CN" altLang="en-US" dirty="0"/>
+          </a:p>
+        </p:txBody>
+      </p:sp>
+      <p:sp>
+        <p:nvSpPr>
+          <p:cNvPr id="6" name="TextBox 5"/>
+          <p:cNvSpPr txBox="1"/>
+          <p:nvPr/>
+        </p:nvSpPr>
+        <p:spPr>
+          <a:xfrm>
+            <a:off x="2214546" y="5214950"/>
+            <a:ext cx="2723823" cy="369332"/>
+          </a:xfrm>
+          <a:prstGeom prst="rect">
+            <a:avLst/>
+          </a:prstGeom>
+          <a:noFill/>
+        </p:spPr>
+        <p:txBody>
+          <a:bodyPr wrap="none" rtlCol="0">
+            <a:spAutoFit/>
+          </a:bodyPr>
+          <a:lstStyle/>
+          <a:p>
+            <a:r>
+              <a:rPr lang="zh-CN" altLang="en-US" dirty="0" smtClean="0"/>
+              <a:t>以试卷记录为行基本元素</a:t>
             </a:r>
             <a:endParaRPr lang="zh-CN" altLang="en-US" dirty="0"/>
           </a:p>
@@ -25669,7 +25079,7 @@
         <p:spPr>
           <a:xfrm>
             <a:off x="571472" y="785794"/>
-            <a:ext cx="2166747" cy="369332"/>
+            <a:ext cx="3090077" cy="369332"/>
           </a:xfrm>
           <a:prstGeom prst="rect">
             <a:avLst/>
@@ -25684,7 +25094,7 @@
           <a:p>
             <a:r>
               <a:rPr lang="zh-CN" altLang="en-US" dirty="0" smtClean="0"/>
-              <a:t>考试行为数据</a:t>
+              <a:t>考试平均答题进度数据</a:t>
             </a:r>
             <a:r>
               <a:rPr lang="en-US" altLang="zh-CN" dirty="0" smtClean="0"/>
@@ -25718,6 +25128,36 @@
           </a:prstGeom>
         </p:spPr>
       </p:pic>
+      <p:sp>
+        <p:nvSpPr>
+          <p:cNvPr id="7" name="TextBox 6"/>
+          <p:cNvSpPr txBox="1"/>
+          <p:nvPr/>
+        </p:nvSpPr>
+        <p:spPr>
+          <a:xfrm>
+            <a:off x="1928794" y="5286388"/>
+            <a:ext cx="4570482" cy="369332"/>
+          </a:xfrm>
+          <a:prstGeom prst="rect">
+            <a:avLst/>
+          </a:prstGeom>
+          <a:noFill/>
+        </p:spPr>
+        <p:txBody>
+          <a:bodyPr wrap="none" rtlCol="0">
+            <a:spAutoFit/>
+          </a:bodyPr>
+          <a:lstStyle/>
+          <a:p>
+            <a:r>
+              <a:rPr lang="zh-CN" altLang="en-US" dirty="0" smtClean="0"/>
+              <a:t>内容为某张试卷的试题完成人数换成百分比</a:t>
+            </a:r>
+            <a:endParaRPr lang="zh-CN" altLang="en-US" dirty="0"/>
+          </a:p>
+        </p:txBody>
+      </p:sp>
     </p:spTree>
   </p:cSld>
   <p:clrMapOvr>
@@ -25752,8 +25192,8 @@
           <p:nvPr/>
         </p:nvGraphicFramePr>
         <p:xfrm>
-          <a:off x="571473" y="1857364"/>
-          <a:ext cx="7572428" cy="2123440"/>
+          <a:off x="357158" y="1714488"/>
+          <a:ext cx="9644130" cy="4846320"/>
         </p:xfrm>
         <a:graphic>
           <a:graphicData uri="http://schemas.openxmlformats.org/drawingml/2006/table">
@@ -25762,14 +25202,15 @@
                 <a:tableStyleId>{2D5ABB26-0587-4C30-8999-92F81FD0307C}</a:tableStyleId>
               </a:tblPr>
               <a:tblGrid>
-                <a:gridCol w="642941"/>
                 <a:gridCol w="642942"/>
-                <a:gridCol w="642942"/>
-                <a:gridCol w="2071702"/>
-                <a:gridCol w="1000133"/>
-                <a:gridCol w="857256"/>
                 <a:gridCol w="928694"/>
-                <a:gridCol w="785818"/>
+                <a:gridCol w="419699"/>
+                <a:gridCol w="473277"/>
+                <a:gridCol w="1525003"/>
+                <a:gridCol w="736209"/>
+                <a:gridCol w="631036"/>
+                <a:gridCol w="683622"/>
+                <a:gridCol w="3603648"/>
               </a:tblGrid>
               <a:tr h="370840">
                 <a:tc>
@@ -25830,6 +25271,57 @@
                     <a:p>
                       <a:r>
                         <a:rPr lang="zh-CN" altLang="en-US" dirty="0" smtClean="0"/>
+                        <a:t>试卷名称</a:t>
+                      </a:r>
+                      <a:endParaRPr lang="zh-CN" altLang="en-US" dirty="0"/>
+                    </a:p>
+                  </a:txBody>
+                  <a:tcPr>
+                    <a:lnL w="12700" cap="flat" cmpd="sng" algn="ctr">
+                      <a:solidFill>
+                        <a:schemeClr val="tx1"/>
+                      </a:solidFill>
+                      <a:prstDash val="solid"/>
+                      <a:round/>
+                      <a:headEnd type="none" w="med" len="med"/>
+                      <a:tailEnd type="none" w="med" len="med"/>
+                    </a:lnL>
+                    <a:lnR w="12700" cap="flat" cmpd="sng" algn="ctr">
+                      <a:solidFill>
+                        <a:schemeClr val="tx1"/>
+                      </a:solidFill>
+                      <a:prstDash val="solid"/>
+                      <a:round/>
+                      <a:headEnd type="none" w="med" len="med"/>
+                      <a:tailEnd type="none" w="med" len="med"/>
+                    </a:lnR>
+                    <a:lnT w="12700" cap="flat" cmpd="sng" algn="ctr">
+                      <a:solidFill>
+                        <a:schemeClr val="tx1"/>
+                      </a:solidFill>
+                      <a:prstDash val="solid"/>
+                      <a:round/>
+                      <a:headEnd type="none" w="med" len="med"/>
+                      <a:tailEnd type="none" w="med" len="med"/>
+                    </a:lnT>
+                    <a:lnB w="12700" cap="flat" cmpd="sng" algn="ctr">
+                      <a:solidFill>
+                        <a:schemeClr val="tx1"/>
+                      </a:solidFill>
+                      <a:prstDash val="solid"/>
+                      <a:round/>
+                      <a:headEnd type="none" w="med" len="med"/>
+                      <a:tailEnd type="none" w="med" len="med"/>
+                    </a:lnB>
+                  </a:tcPr>
+                </a:tc>
+                <a:tc>
+                  <a:txBody>
+                    <a:bodyPr/>
+                    <a:lstStyle/>
+                    <a:p>
+                      <a:r>
+                        <a:rPr lang="zh-CN" altLang="en-US" dirty="0" smtClean="0"/>
                         <a:t>题号</a:t>
                       </a:r>
                       <a:endParaRPr lang="zh-CN" altLang="en-US" dirty="0"/>
@@ -25932,7 +25424,7 @@
                     <a:p>
                       <a:r>
                         <a:rPr lang="zh-CN" altLang="en-US" dirty="0" smtClean="0"/>
-                        <a:t>试卷名称</a:t>
+                        <a:t>测试人数</a:t>
                       </a:r>
                       <a:endParaRPr lang="zh-CN" altLang="en-US" dirty="0"/>
                     </a:p>
@@ -26239,6 +25731,57 @@
                     <a:lstStyle/>
                     <a:p>
                       <a:r>
+                        <a:rPr lang="zh-CN" altLang="en-US" dirty="0" smtClean="0"/>
+                        <a:t>心理学第一讲测试</a:t>
+                      </a:r>
+                      <a:endParaRPr lang="zh-CN" altLang="en-US" dirty="0"/>
+                    </a:p>
+                  </a:txBody>
+                  <a:tcPr>
+                    <a:lnL w="12700" cap="flat" cmpd="sng" algn="ctr">
+                      <a:solidFill>
+                        <a:schemeClr val="tx1"/>
+                      </a:solidFill>
+                      <a:prstDash val="solid"/>
+                      <a:round/>
+                      <a:headEnd type="none" w="med" len="med"/>
+                      <a:tailEnd type="none" w="med" len="med"/>
+                    </a:lnL>
+                    <a:lnR w="12700" cap="flat" cmpd="sng" algn="ctr">
+                      <a:solidFill>
+                        <a:schemeClr val="tx1"/>
+                      </a:solidFill>
+                      <a:prstDash val="solid"/>
+                      <a:round/>
+                      <a:headEnd type="none" w="med" len="med"/>
+                      <a:tailEnd type="none" w="med" len="med"/>
+                    </a:lnR>
+                    <a:lnT w="12700" cap="flat" cmpd="sng" algn="ctr">
+                      <a:solidFill>
+                        <a:schemeClr val="tx1"/>
+                      </a:solidFill>
+                      <a:prstDash val="solid"/>
+                      <a:round/>
+                      <a:headEnd type="none" w="med" len="med"/>
+                      <a:tailEnd type="none" w="med" len="med"/>
+                    </a:lnT>
+                    <a:lnB w="12700" cap="flat" cmpd="sng" algn="ctr">
+                      <a:solidFill>
+                        <a:schemeClr val="tx1"/>
+                      </a:solidFill>
+                      <a:prstDash val="solid"/>
+                      <a:round/>
+                      <a:headEnd type="none" w="med" len="med"/>
+                      <a:tailEnd type="none" w="med" len="med"/>
+                    </a:lnB>
+                  </a:tcPr>
+                </a:tc>
+                <a:tc>
+                  <a:txBody>
+                    <a:bodyPr/>
+                    <a:lstStyle/>
+                    <a:p>
+                      <a:r>
                         <a:rPr lang="en-US" altLang="zh-CN" dirty="0" smtClean="0"/>
                         <a:t>1</a:t>
                       </a:r>
@@ -26341,8 +25884,8 @@
                     <a:lstStyle/>
                     <a:p>
                       <a:r>
-                        <a:rPr lang="zh-CN" altLang="en-US" dirty="0" smtClean="0"/>
-                        <a:t>心理学第一讲测试</a:t>
+                        <a:rPr lang="en-US" altLang="zh-CN" dirty="0" smtClean="0"/>
+                        <a:t>15</a:t>
                       </a:r>
                       <a:endParaRPr lang="zh-CN" altLang="en-US" dirty="0"/>
                     </a:p>
@@ -26682,61 +26225,9 @@
                         <a:defRPr/>
                       </a:pPr>
                       <a:r>
-                        <a:rPr lang="en-US" altLang="zh-CN" dirty="0" smtClean="0"/>
-                        <a:t>2</a:t>
-                      </a:r>
-                      <a:endParaRPr lang="zh-CN" altLang="en-US" dirty="0" smtClean="0"/>
-                    </a:p>
-                  </a:txBody>
-                  <a:tcPr>
-                    <a:lnL w="12700" cap="flat" cmpd="sng" algn="ctr">
-                      <a:solidFill>
-                        <a:schemeClr val="tx1"/>
-                      </a:solidFill>
-                      <a:prstDash val="solid"/>
-                      <a:round/>
-                      <a:headEnd type="none" w="med" len="med"/>
-                      <a:tailEnd type="none" w="med" len="med"/>
-                    </a:lnL>
-                    <a:lnR w="12700" cap="flat" cmpd="sng" algn="ctr">
-                      <a:solidFill>
-                        <a:schemeClr val="tx1"/>
-                      </a:solidFill>
-                      <a:prstDash val="solid"/>
-                      <a:round/>
-                      <a:headEnd type="none" w="med" len="med"/>
-                      <a:tailEnd type="none" w="med" len="med"/>
-                    </a:lnR>
-                    <a:lnT w="12700" cap="flat" cmpd="sng" algn="ctr">
-                      <a:solidFill>
-                        <a:schemeClr val="tx1"/>
-                      </a:solidFill>
-                      <a:prstDash val="solid"/>
-                      <a:round/>
-                      <a:headEnd type="none" w="med" len="med"/>
-                      <a:tailEnd type="none" w="med" len="med"/>
-                    </a:lnT>
-                    <a:lnB w="12700" cap="flat" cmpd="sng" algn="ctr">
-                      <a:solidFill>
-                        <a:schemeClr val="tx1"/>
-                      </a:solidFill>
-                      <a:prstDash val="solid"/>
-                      <a:round/>
-                      <a:headEnd type="none" w="med" len="med"/>
-                      <a:tailEnd type="none" w="med" len="med"/>
-                    </a:lnB>
-                  </a:tcPr>
-                </a:tc>
-                <a:tc>
-                  <a:txBody>
-                    <a:bodyPr/>
-                    <a:lstStyle/>
-                    <a:p>
-                      <a:r>
-                        <a:rPr lang="en-US" altLang="zh-CN" dirty="0" smtClean="0"/>
-                        <a:t>0.8</a:t>
-                      </a:r>
-                      <a:endParaRPr lang="zh-CN" altLang="en-US" dirty="0"/>
+                        <a:rPr lang="zh-CN" altLang="en-US" dirty="0" smtClean="0"/>
+                        <a:t>心理学第一讲测试</a:t>
+                      </a:r>
                     </a:p>
                   </a:txBody>
                   <a:tcPr>
@@ -26801,60 +26292,10 @@
                         <a:defRPr/>
                       </a:pPr>
                       <a:r>
-                        <a:rPr lang="zh-CN" altLang="en-US" dirty="0" smtClean="0"/>
-                        <a:t>心理学第一讲测试</a:t>
-                      </a:r>
-                    </a:p>
-                  </a:txBody>
-                  <a:tcPr>
-                    <a:lnL w="12700" cap="flat" cmpd="sng" algn="ctr">
-                      <a:solidFill>
-                        <a:schemeClr val="tx1"/>
-                      </a:solidFill>
-                      <a:prstDash val="solid"/>
-                      <a:round/>
-                      <a:headEnd type="none" w="med" len="med"/>
-                      <a:tailEnd type="none" w="med" len="med"/>
-                    </a:lnL>
-                    <a:lnR w="12700" cap="flat" cmpd="sng" algn="ctr">
-                      <a:solidFill>
-                        <a:schemeClr val="tx1"/>
-                      </a:solidFill>
-                      <a:prstDash val="solid"/>
-                      <a:round/>
-                      <a:headEnd type="none" w="med" len="med"/>
-                      <a:tailEnd type="none" w="med" len="med"/>
-                    </a:lnR>
-                    <a:lnT w="12700" cap="flat" cmpd="sng" algn="ctr">
-                      <a:solidFill>
-                        <a:schemeClr val="tx1"/>
-                      </a:solidFill>
-                      <a:prstDash val="solid"/>
-                      <a:round/>
-                      <a:headEnd type="none" w="med" len="med"/>
-                      <a:tailEnd type="none" w="med" len="med"/>
-                    </a:lnT>
-                    <a:lnB w="12700" cap="flat" cmpd="sng" algn="ctr">
-                      <a:solidFill>
-                        <a:schemeClr val="tx1"/>
-                      </a:solidFill>
-                      <a:prstDash val="solid"/>
-                      <a:round/>
-                      <a:headEnd type="none" w="med" len="med"/>
-                      <a:tailEnd type="none" w="med" len="med"/>
-                    </a:lnB>
-                  </a:tcPr>
-                </a:tc>
-                <a:tc>
-                  <a:txBody>
-                    <a:bodyPr/>
-                    <a:lstStyle/>
-                    <a:p>
-                      <a:r>
                         <a:rPr lang="en-US" altLang="zh-CN" dirty="0" smtClean="0"/>
-                        <a:t>80%</a:t>
-                      </a:r>
-                      <a:endParaRPr lang="zh-CN" altLang="en-US" dirty="0"/>
+                        <a:t>2</a:t>
+                      </a:r>
+                      <a:endParaRPr lang="zh-CN" altLang="en-US" dirty="0" smtClean="0"/>
                     </a:p>
                   </a:txBody>
                   <a:tcPr>
@@ -26903,7 +26344,7 @@
                     <a:p>
                       <a:r>
                         <a:rPr lang="en-US" altLang="zh-CN" dirty="0" smtClean="0"/>
-                        <a:t>60s</a:t>
+                        <a:t>0.8</a:t>
                       </a:r>
                       <a:endParaRPr lang="zh-CN" altLang="en-US" dirty="0"/>
                     </a:p>
@@ -26970,18 +26411,112 @@
                         <a:defRPr/>
                       </a:pPr>
                       <a:r>
-                        <a:rPr lang="en-US" altLang="zh-CN" u="none" dirty="0" smtClean="0">
-                          <a:solidFill>
-                            <a:schemeClr val="tx1"/>
-                          </a:solidFill>
-                        </a:rPr>
-                        <a:t>0.53</a:t>
-                      </a:r>
-                      <a:endParaRPr lang="zh-CN" altLang="en-US" u="none" dirty="0" smtClean="0">
-                        <a:solidFill>
-                          <a:schemeClr val="tx1"/>
-                        </a:solidFill>
-                      </a:endParaRPr>
+                        <a:rPr lang="en-US" altLang="zh-CN" dirty="0" smtClean="0"/>
+                        <a:t>15</a:t>
+                      </a:r>
+                      <a:endParaRPr lang="zh-CN" altLang="en-US" dirty="0" smtClean="0"/>
+                    </a:p>
+                  </a:txBody>
+                  <a:tcPr>
+                    <a:lnL w="12700" cap="flat" cmpd="sng" algn="ctr">
+                      <a:solidFill>
+                        <a:schemeClr val="tx1"/>
+                      </a:solidFill>
+                      <a:prstDash val="solid"/>
+                      <a:round/>
+                      <a:headEnd type="none" w="med" len="med"/>
+                      <a:tailEnd type="none" w="med" len="med"/>
+                    </a:lnL>
+                    <a:lnR w="12700" cap="flat" cmpd="sng" algn="ctr">
+                      <a:solidFill>
+                        <a:schemeClr val="tx1"/>
+                      </a:solidFill>
+                      <a:prstDash val="solid"/>
+                      <a:round/>
+                      <a:headEnd type="none" w="med" len="med"/>
+                      <a:tailEnd type="none" w="med" len="med"/>
+                    </a:lnR>
+                    <a:lnT w="12700" cap="flat" cmpd="sng" algn="ctr">
+                      <a:solidFill>
+                        <a:schemeClr val="tx1"/>
+                      </a:solidFill>
+                      <a:prstDash val="solid"/>
+                      <a:round/>
+                      <a:headEnd type="none" w="med" len="med"/>
+                      <a:tailEnd type="none" w="med" len="med"/>
+                    </a:lnT>
+                    <a:lnB w="12700" cap="flat" cmpd="sng" algn="ctr">
+                      <a:solidFill>
+                        <a:schemeClr val="tx1"/>
+                      </a:solidFill>
+                      <a:prstDash val="solid"/>
+                      <a:round/>
+                      <a:headEnd type="none" w="med" len="med"/>
+                      <a:tailEnd type="none" w="med" len="med"/>
+                    </a:lnB>
+                  </a:tcPr>
+                </a:tc>
+                <a:tc>
+                  <a:txBody>
+                    <a:bodyPr/>
+                    <a:lstStyle/>
+                    <a:p>
+                      <a:r>
+                        <a:rPr lang="en-US" altLang="zh-CN" dirty="0" smtClean="0"/>
+                        <a:t>80%</a:t>
+                      </a:r>
+                      <a:endParaRPr lang="zh-CN" altLang="en-US" dirty="0"/>
+                    </a:p>
+                  </a:txBody>
+                  <a:tcPr>
+                    <a:lnL w="12700" cap="flat" cmpd="sng" algn="ctr">
+                      <a:solidFill>
+                        <a:schemeClr val="tx1"/>
+                      </a:solidFill>
+                      <a:prstDash val="solid"/>
+                      <a:round/>
+                      <a:headEnd type="none" w="med" len="med"/>
+                      <a:tailEnd type="none" w="med" len="med"/>
+                    </a:lnL>
+                    <a:lnR w="12700" cap="flat" cmpd="sng" algn="ctr">
+                      <a:solidFill>
+                        <a:schemeClr val="tx1"/>
+                      </a:solidFill>
+                      <a:prstDash val="solid"/>
+                      <a:round/>
+                      <a:headEnd type="none" w="med" len="med"/>
+                      <a:tailEnd type="none" w="med" len="med"/>
+                    </a:lnR>
+                    <a:lnT w="12700" cap="flat" cmpd="sng" algn="ctr">
+                      <a:solidFill>
+                        <a:schemeClr val="tx1"/>
+                      </a:solidFill>
+                      <a:prstDash val="solid"/>
+                      <a:round/>
+                      <a:headEnd type="none" w="med" len="med"/>
+                      <a:tailEnd type="none" w="med" len="med"/>
+                    </a:lnT>
+                    <a:lnB w="12700" cap="flat" cmpd="sng" algn="ctr">
+                      <a:solidFill>
+                        <a:schemeClr val="tx1"/>
+                      </a:solidFill>
+                      <a:prstDash val="solid"/>
+                      <a:round/>
+                      <a:headEnd type="none" w="med" len="med"/>
+                      <a:tailEnd type="none" w="med" len="med"/>
+                    </a:lnB>
+                  </a:tcPr>
+                </a:tc>
+                <a:tc>
+                  <a:txBody>
+                    <a:bodyPr/>
+                    <a:lstStyle/>
+                    <a:p>
+                      <a:r>
+                        <a:rPr lang="en-US" altLang="zh-CN" dirty="0" smtClean="0"/>
+                        <a:t>60s</a:t>
+                      </a:r>
+                      <a:endParaRPr lang="zh-CN" altLang="en-US" dirty="0"/>
                     </a:p>
                   </a:txBody>
                   <a:tcPr>
@@ -27046,168 +26581,18 @@
                         <a:defRPr/>
                       </a:pPr>
                       <a:r>
-                        <a:rPr lang="zh-CN" altLang="en-US" u="sng" dirty="0" smtClean="0">
+                        <a:rPr lang="en-US" altLang="zh-CN" u="none" dirty="0" smtClean="0">
                           <a:solidFill>
-                            <a:srgbClr val="0070C0"/>
+                            <a:schemeClr val="tx1"/>
                           </a:solidFill>
                         </a:rPr>
-                        <a:t>概要</a:t>
-                      </a:r>
-                    </a:p>
-                  </a:txBody>
-                  <a:tcPr>
-                    <a:lnL w="12700" cap="flat" cmpd="sng" algn="ctr">
-                      <a:solidFill>
-                        <a:schemeClr val="tx1"/>
-                      </a:solidFill>
-                      <a:prstDash val="solid"/>
-                      <a:round/>
-                      <a:headEnd type="none" w="med" len="med"/>
-                      <a:tailEnd type="none" w="med" len="med"/>
-                    </a:lnL>
-                    <a:lnR w="12700" cap="flat" cmpd="sng" algn="ctr">
-                      <a:solidFill>
-                        <a:schemeClr val="tx1"/>
-                      </a:solidFill>
-                      <a:prstDash val="solid"/>
-                      <a:round/>
-                      <a:headEnd type="none" w="med" len="med"/>
-                      <a:tailEnd type="none" w="med" len="med"/>
-                    </a:lnR>
-                    <a:lnT w="12700" cap="flat" cmpd="sng" algn="ctr">
-                      <a:solidFill>
-                        <a:schemeClr val="tx1"/>
-                      </a:solidFill>
-                      <a:prstDash val="solid"/>
-                      <a:round/>
-                      <a:headEnd type="none" w="med" len="med"/>
-                      <a:tailEnd type="none" w="med" len="med"/>
-                    </a:lnT>
-                    <a:lnB w="12700" cap="flat" cmpd="sng" algn="ctr">
-                      <a:solidFill>
-                        <a:schemeClr val="tx1"/>
-                      </a:solidFill>
-                      <a:prstDash val="solid"/>
-                      <a:round/>
-                      <a:headEnd type="none" w="med" len="med"/>
-                      <a:tailEnd type="none" w="med" len="med"/>
-                    </a:lnB>
-                  </a:tcPr>
-                </a:tc>
-              </a:tr>
-              <a:tr h="370840">
-                <a:tc>
-                  <a:txBody>
-                    <a:bodyPr/>
-                    <a:lstStyle/>
-                    <a:p>
-                      <a:r>
-                        <a:rPr lang="en-US" altLang="zh-CN" dirty="0" smtClean="0"/>
-                        <a:t>3</a:t>
-                      </a:r>
-                      <a:endParaRPr lang="zh-CN" altLang="en-US" dirty="0"/>
-                    </a:p>
-                  </a:txBody>
-                  <a:tcPr>
-                    <a:lnL w="12700" cap="flat" cmpd="sng" algn="ctr">
-                      <a:solidFill>
-                        <a:schemeClr val="tx1"/>
-                      </a:solidFill>
-                      <a:prstDash val="solid"/>
-                      <a:round/>
-                      <a:headEnd type="none" w="med" len="med"/>
-                      <a:tailEnd type="none" w="med" len="med"/>
-                    </a:lnL>
-                    <a:lnR w="12700" cap="flat" cmpd="sng" algn="ctr">
-                      <a:solidFill>
-                        <a:schemeClr val="tx1"/>
-                      </a:solidFill>
-                      <a:prstDash val="solid"/>
-                      <a:round/>
-                      <a:headEnd type="none" w="med" len="med"/>
-                      <a:tailEnd type="none" w="med" len="med"/>
-                    </a:lnR>
-                    <a:lnT w="12700" cap="flat" cmpd="sng" algn="ctr">
-                      <a:solidFill>
-                        <a:schemeClr val="tx1"/>
-                      </a:solidFill>
-                      <a:prstDash val="solid"/>
-                      <a:round/>
-                      <a:headEnd type="none" w="med" len="med"/>
-                      <a:tailEnd type="none" w="med" len="med"/>
-                    </a:lnT>
-                    <a:lnB w="12700" cap="flat" cmpd="sng" algn="ctr">
-                      <a:solidFill>
-                        <a:schemeClr val="tx1"/>
-                      </a:solidFill>
-                      <a:prstDash val="solid"/>
-                      <a:round/>
-                      <a:headEnd type="none" w="med" len="med"/>
-                      <a:tailEnd type="none" w="med" len="med"/>
-                    </a:lnB>
-                  </a:tcPr>
-                </a:tc>
-                <a:tc>
-                  <a:txBody>
-                    <a:bodyPr/>
-                    <a:lstStyle/>
-                    <a:p>
-                      <a:r>
-                        <a:rPr lang="en-US" altLang="zh-CN" dirty="0" smtClean="0"/>
-                        <a:t>1</a:t>
-                      </a:r>
-                      <a:endParaRPr lang="zh-CN" altLang="en-US" dirty="0"/>
-                    </a:p>
-                  </a:txBody>
-                  <a:tcPr>
-                    <a:lnL w="12700" cap="flat" cmpd="sng" algn="ctr">
-                      <a:solidFill>
-                        <a:schemeClr val="tx1"/>
-                      </a:solidFill>
-                      <a:prstDash val="solid"/>
-                      <a:round/>
-                      <a:headEnd type="none" w="med" len="med"/>
-                      <a:tailEnd type="none" w="med" len="med"/>
-                    </a:lnL>
-                    <a:lnR w="12700" cap="flat" cmpd="sng" algn="ctr">
-                      <a:solidFill>
-                        <a:schemeClr val="tx1"/>
-                      </a:solidFill>
-                      <a:prstDash val="solid"/>
-                      <a:round/>
-                      <a:headEnd type="none" w="med" len="med"/>
-                      <a:tailEnd type="none" w="med" len="med"/>
-                    </a:lnR>
-                    <a:lnT w="12700" cap="flat" cmpd="sng" algn="ctr">
-                      <a:solidFill>
-                        <a:schemeClr val="tx1"/>
-                      </a:solidFill>
-                      <a:prstDash val="solid"/>
-                      <a:round/>
-                      <a:headEnd type="none" w="med" len="med"/>
-                      <a:tailEnd type="none" w="med" len="med"/>
-                    </a:lnT>
-                    <a:lnB w="12700" cap="flat" cmpd="sng" algn="ctr">
-                      <a:solidFill>
-                        <a:schemeClr val="tx1"/>
-                      </a:solidFill>
-                      <a:prstDash val="solid"/>
-                      <a:round/>
-                      <a:headEnd type="none" w="med" len="med"/>
-                      <a:tailEnd type="none" w="med" len="med"/>
-                    </a:lnB>
-                  </a:tcPr>
-                </a:tc>
-                <a:tc>
-                  <a:txBody>
-                    <a:bodyPr/>
-                    <a:lstStyle/>
-                    <a:p>
-                      <a:r>
-                        <a:rPr lang="en-US" altLang="zh-CN" dirty="0" smtClean="0"/>
-                        <a:t>0.7</a:t>
-                      </a:r>
-                      <a:endParaRPr lang="zh-CN" altLang="en-US" dirty="0"/>
+                        <a:t>0.53</a:t>
+                      </a:r>
+                      <a:endParaRPr lang="zh-CN" altLang="en-US" u="none" dirty="0" smtClean="0">
+                        <a:solidFill>
+                          <a:schemeClr val="tx1"/>
+                        </a:solidFill>
+                      </a:endParaRPr>
                     </a:p>
                   </a:txBody>
                   <a:tcPr>
@@ -27272,217 +26657,6 @@
                         <a:defRPr/>
                       </a:pPr>
                       <a:r>
-                        <a:rPr lang="zh-CN" altLang="en-US" dirty="0" smtClean="0"/>
-                        <a:t>心理学第二讲测试</a:t>
-                      </a:r>
-                    </a:p>
-                  </a:txBody>
-                  <a:tcPr>
-                    <a:lnL w="12700" cap="flat" cmpd="sng" algn="ctr">
-                      <a:solidFill>
-                        <a:schemeClr val="tx1"/>
-                      </a:solidFill>
-                      <a:prstDash val="solid"/>
-                      <a:round/>
-                      <a:headEnd type="none" w="med" len="med"/>
-                      <a:tailEnd type="none" w="med" len="med"/>
-                    </a:lnL>
-                    <a:lnR w="12700" cap="flat" cmpd="sng" algn="ctr">
-                      <a:solidFill>
-                        <a:schemeClr val="tx1"/>
-                      </a:solidFill>
-                      <a:prstDash val="solid"/>
-                      <a:round/>
-                      <a:headEnd type="none" w="med" len="med"/>
-                      <a:tailEnd type="none" w="med" len="med"/>
-                    </a:lnR>
-                    <a:lnT w="12700" cap="flat" cmpd="sng" algn="ctr">
-                      <a:solidFill>
-                        <a:schemeClr val="tx1"/>
-                      </a:solidFill>
-                      <a:prstDash val="solid"/>
-                      <a:round/>
-                      <a:headEnd type="none" w="med" len="med"/>
-                      <a:tailEnd type="none" w="med" len="med"/>
-                    </a:lnT>
-                    <a:lnB w="12700" cap="flat" cmpd="sng" algn="ctr">
-                      <a:solidFill>
-                        <a:schemeClr val="tx1"/>
-                      </a:solidFill>
-                      <a:prstDash val="solid"/>
-                      <a:round/>
-                      <a:headEnd type="none" w="med" len="med"/>
-                      <a:tailEnd type="none" w="med" len="med"/>
-                    </a:lnB>
-                  </a:tcPr>
-                </a:tc>
-                <a:tc>
-                  <a:txBody>
-                    <a:bodyPr/>
-                    <a:lstStyle/>
-                    <a:p>
-                      <a:r>
-                        <a:rPr lang="en-US" altLang="zh-CN" dirty="0" smtClean="0"/>
-                        <a:t>70%</a:t>
-                      </a:r>
-                      <a:endParaRPr lang="zh-CN" altLang="en-US" dirty="0"/>
-                    </a:p>
-                  </a:txBody>
-                  <a:tcPr>
-                    <a:lnL w="12700" cap="flat" cmpd="sng" algn="ctr">
-                      <a:solidFill>
-                        <a:schemeClr val="tx1"/>
-                      </a:solidFill>
-                      <a:prstDash val="solid"/>
-                      <a:round/>
-                      <a:headEnd type="none" w="med" len="med"/>
-                      <a:tailEnd type="none" w="med" len="med"/>
-                    </a:lnL>
-                    <a:lnR w="12700" cap="flat" cmpd="sng" algn="ctr">
-                      <a:solidFill>
-                        <a:schemeClr val="tx1"/>
-                      </a:solidFill>
-                      <a:prstDash val="solid"/>
-                      <a:round/>
-                      <a:headEnd type="none" w="med" len="med"/>
-                      <a:tailEnd type="none" w="med" len="med"/>
-                    </a:lnR>
-                    <a:lnT w="12700" cap="flat" cmpd="sng" algn="ctr">
-                      <a:solidFill>
-                        <a:schemeClr val="tx1"/>
-                      </a:solidFill>
-                      <a:prstDash val="solid"/>
-                      <a:round/>
-                      <a:headEnd type="none" w="med" len="med"/>
-                      <a:tailEnd type="none" w="med" len="med"/>
-                    </a:lnT>
-                    <a:lnB w="12700" cap="flat" cmpd="sng" algn="ctr">
-                      <a:solidFill>
-                        <a:schemeClr val="tx1"/>
-                      </a:solidFill>
-                      <a:prstDash val="solid"/>
-                      <a:round/>
-                      <a:headEnd type="none" w="med" len="med"/>
-                      <a:tailEnd type="none" w="med" len="med"/>
-                    </a:lnB>
-                  </a:tcPr>
-                </a:tc>
-                <a:tc>
-                  <a:txBody>
-                    <a:bodyPr/>
-                    <a:lstStyle/>
-                    <a:p>
-                      <a:r>
-                        <a:rPr lang="en-US" altLang="zh-CN" dirty="0" smtClean="0"/>
-                        <a:t>100s</a:t>
-                      </a:r>
-                      <a:endParaRPr lang="zh-CN" altLang="en-US" dirty="0"/>
-                    </a:p>
-                  </a:txBody>
-                  <a:tcPr>
-                    <a:lnL w="12700" cap="flat" cmpd="sng" algn="ctr">
-                      <a:solidFill>
-                        <a:schemeClr val="tx1"/>
-                      </a:solidFill>
-                      <a:prstDash val="solid"/>
-                      <a:round/>
-                      <a:headEnd type="none" w="med" len="med"/>
-                      <a:tailEnd type="none" w="med" len="med"/>
-                    </a:lnL>
-                    <a:lnR w="12700" cap="flat" cmpd="sng" algn="ctr">
-                      <a:solidFill>
-                        <a:schemeClr val="tx1"/>
-                      </a:solidFill>
-                      <a:prstDash val="solid"/>
-                      <a:round/>
-                      <a:headEnd type="none" w="med" len="med"/>
-                      <a:tailEnd type="none" w="med" len="med"/>
-                    </a:lnR>
-                    <a:lnT w="12700" cap="flat" cmpd="sng" algn="ctr">
-                      <a:solidFill>
-                        <a:schemeClr val="tx1"/>
-                      </a:solidFill>
-                      <a:prstDash val="solid"/>
-                      <a:round/>
-                      <a:headEnd type="none" w="med" len="med"/>
-                      <a:tailEnd type="none" w="med" len="med"/>
-                    </a:lnT>
-                    <a:lnB w="12700" cap="flat" cmpd="sng" algn="ctr">
-                      <a:solidFill>
-                        <a:schemeClr val="tx1"/>
-                      </a:solidFill>
-                      <a:prstDash val="solid"/>
-                      <a:round/>
-                      <a:headEnd type="none" w="med" len="med"/>
-                      <a:tailEnd type="none" w="med" len="med"/>
-                    </a:lnB>
-                  </a:tcPr>
-                </a:tc>
-                <a:tc>
-                  <a:txBody>
-                    <a:bodyPr/>
-                    <a:lstStyle/>
-                    <a:p>
-                      <a:r>
-                        <a:rPr lang="en-US" altLang="zh-CN" u="none" dirty="0" smtClean="0">
-                          <a:solidFill>
-                            <a:schemeClr val="tx1"/>
-                          </a:solidFill>
-                        </a:rPr>
-                        <a:t>0.88</a:t>
-                      </a:r>
-                      <a:endParaRPr lang="zh-CN" altLang="en-US" u="none" dirty="0">
-                        <a:solidFill>
-                          <a:schemeClr val="tx1"/>
-                        </a:solidFill>
-                      </a:endParaRPr>
-                    </a:p>
-                  </a:txBody>
-                  <a:tcPr>
-                    <a:lnL w="12700" cap="flat" cmpd="sng" algn="ctr">
-                      <a:solidFill>
-                        <a:schemeClr val="tx1"/>
-                      </a:solidFill>
-                      <a:prstDash val="solid"/>
-                      <a:round/>
-                      <a:headEnd type="none" w="med" len="med"/>
-                      <a:tailEnd type="none" w="med" len="med"/>
-                    </a:lnL>
-                    <a:lnR w="12700" cap="flat" cmpd="sng" algn="ctr">
-                      <a:solidFill>
-                        <a:schemeClr val="tx1"/>
-                      </a:solidFill>
-                      <a:prstDash val="solid"/>
-                      <a:round/>
-                      <a:headEnd type="none" w="med" len="med"/>
-                      <a:tailEnd type="none" w="med" len="med"/>
-                    </a:lnR>
-                    <a:lnT w="12700" cap="flat" cmpd="sng" algn="ctr">
-                      <a:solidFill>
-                        <a:schemeClr val="tx1"/>
-                      </a:solidFill>
-                      <a:prstDash val="solid"/>
-                      <a:round/>
-                      <a:headEnd type="none" w="med" len="med"/>
-                      <a:tailEnd type="none" w="med" len="med"/>
-                    </a:lnT>
-                    <a:lnB w="12700" cap="flat" cmpd="sng" algn="ctr">
-                      <a:solidFill>
-                        <a:schemeClr val="tx1"/>
-                      </a:solidFill>
-                      <a:prstDash val="solid"/>
-                      <a:round/>
-                      <a:headEnd type="none" w="med" len="med"/>
-                      <a:tailEnd type="none" w="med" len="med"/>
-                    </a:lnB>
-                  </a:tcPr>
-                </a:tc>
-                <a:tc>
-                  <a:txBody>
-                    <a:bodyPr/>
-                    <a:lstStyle/>
-                    <a:p>
-                      <a:r>
                         <a:rPr lang="zh-CN" altLang="en-US" u="sng" dirty="0" smtClean="0">
                           <a:solidFill>
                             <a:srgbClr val="0070C0"/>
@@ -27490,11 +26664,6 @@
                         </a:rPr>
                         <a:t>概要</a:t>
                       </a:r>
-                      <a:endParaRPr lang="zh-CN" altLang="en-US" u="sng" dirty="0">
-                        <a:solidFill>
-                          <a:srgbClr val="0070C0"/>
-                        </a:solidFill>
-                      </a:endParaRPr>
                     </a:p>
                   </a:txBody>
                   <a:tcPr>
@@ -27545,7 +26714,7 @@
                     <a:p>
                       <a:r>
                         <a:rPr lang="en-US" altLang="zh-CN" dirty="0" smtClean="0"/>
-                        <a:t>4</a:t>
+                        <a:t>3</a:t>
                       </a:r>
                       <a:endParaRPr lang="zh-CN" altLang="en-US" dirty="0"/>
                     </a:p>
@@ -27612,10 +26781,60 @@
                         <a:defRPr/>
                       </a:pPr>
                       <a:r>
+                        <a:rPr lang="zh-CN" altLang="en-US" dirty="0" smtClean="0"/>
+                        <a:t>心理学第二讲测试</a:t>
+                      </a:r>
+                    </a:p>
+                  </a:txBody>
+                  <a:tcPr>
+                    <a:lnL w="12700" cap="flat" cmpd="sng" algn="ctr">
+                      <a:solidFill>
+                        <a:schemeClr val="tx1"/>
+                      </a:solidFill>
+                      <a:prstDash val="solid"/>
+                      <a:round/>
+                      <a:headEnd type="none" w="med" len="med"/>
+                      <a:tailEnd type="none" w="med" len="med"/>
+                    </a:lnL>
+                    <a:lnR w="12700" cap="flat" cmpd="sng" algn="ctr">
+                      <a:solidFill>
+                        <a:schemeClr val="tx1"/>
+                      </a:solidFill>
+                      <a:prstDash val="solid"/>
+                      <a:round/>
+                      <a:headEnd type="none" w="med" len="med"/>
+                      <a:tailEnd type="none" w="med" len="med"/>
+                    </a:lnR>
+                    <a:lnT w="12700" cap="flat" cmpd="sng" algn="ctr">
+                      <a:solidFill>
+                        <a:schemeClr val="tx1"/>
+                      </a:solidFill>
+                      <a:prstDash val="solid"/>
+                      <a:round/>
+                      <a:headEnd type="none" w="med" len="med"/>
+                      <a:tailEnd type="none" w="med" len="med"/>
+                    </a:lnT>
+                    <a:lnB w="12700" cap="flat" cmpd="sng" algn="ctr">
+                      <a:solidFill>
+                        <a:schemeClr val="tx1"/>
+                      </a:solidFill>
+                      <a:prstDash val="solid"/>
+                      <a:round/>
+                      <a:headEnd type="none" w="med" len="med"/>
+                      <a:tailEnd type="none" w="med" len="med"/>
+                    </a:lnB>
+                  </a:tcPr>
+                </a:tc>
+                <a:tc>
+                  <a:txBody>
+                    <a:bodyPr/>
+                    <a:lstStyle/>
+                    <a:p>
+                      <a:r>
                         <a:rPr lang="en-US" altLang="zh-CN" dirty="0" smtClean="0"/>
-                        <a:t>2</a:t>
-                      </a:r>
-                      <a:endParaRPr lang="zh-CN" altLang="en-US" dirty="0" smtClean="0"/>
+                        <a:t>1</a:t>
+                      </a:r>
+                      <a:endParaRPr lang="zh-CN" altLang="en-US" dirty="0"/>
                     </a:p>
                   </a:txBody>
                   <a:tcPr>
@@ -27730,10 +26949,7 @@
                         <a:tabLst/>
                         <a:defRPr/>
                       </a:pPr>
-                      <a:r>
-                        <a:rPr lang="zh-CN" altLang="en-US" dirty="0" smtClean="0"/>
-                        <a:t>心理学第二讲测试</a:t>
-                      </a:r>
+                      <a:endParaRPr lang="zh-CN" altLang="en-US" dirty="0" smtClean="0"/>
                     </a:p>
                   </a:txBody>
                   <a:tcPr>
@@ -27782,7 +26998,7 @@
                     <a:p>
                       <a:r>
                         <a:rPr lang="en-US" altLang="zh-CN" dirty="0" smtClean="0"/>
-                        <a:t>40%</a:t>
+                        <a:t>70%</a:t>
                       </a:r>
                       <a:endParaRPr lang="zh-CN" altLang="en-US" dirty="0"/>
                     </a:p>
@@ -27833,7 +27049,178 @@
                     <a:p>
                       <a:r>
                         <a:rPr lang="en-US" altLang="zh-CN" dirty="0" smtClean="0"/>
-                        <a:t>60s</a:t>
+                        <a:t>100s</a:t>
+                      </a:r>
+                      <a:endParaRPr lang="zh-CN" altLang="en-US" dirty="0"/>
+                    </a:p>
+                  </a:txBody>
+                  <a:tcPr>
+                    <a:lnL w="12700" cap="flat" cmpd="sng" algn="ctr">
+                      <a:solidFill>
+                        <a:schemeClr val="tx1"/>
+                      </a:solidFill>
+                      <a:prstDash val="solid"/>
+                      <a:round/>
+                      <a:headEnd type="none" w="med" len="med"/>
+                      <a:tailEnd type="none" w="med" len="med"/>
+                    </a:lnL>
+                    <a:lnR w="12700" cap="flat" cmpd="sng" algn="ctr">
+                      <a:solidFill>
+                        <a:schemeClr val="tx1"/>
+                      </a:solidFill>
+                      <a:prstDash val="solid"/>
+                      <a:round/>
+                      <a:headEnd type="none" w="med" len="med"/>
+                      <a:tailEnd type="none" w="med" len="med"/>
+                    </a:lnR>
+                    <a:lnT w="12700" cap="flat" cmpd="sng" algn="ctr">
+                      <a:solidFill>
+                        <a:schemeClr val="tx1"/>
+                      </a:solidFill>
+                      <a:prstDash val="solid"/>
+                      <a:round/>
+                      <a:headEnd type="none" w="med" len="med"/>
+                      <a:tailEnd type="none" w="med" len="med"/>
+                    </a:lnT>
+                    <a:lnB w="12700" cap="flat" cmpd="sng" algn="ctr">
+                      <a:solidFill>
+                        <a:schemeClr val="tx1"/>
+                      </a:solidFill>
+                      <a:prstDash val="solid"/>
+                      <a:round/>
+                      <a:headEnd type="none" w="med" len="med"/>
+                      <a:tailEnd type="none" w="med" len="med"/>
+                    </a:lnB>
+                  </a:tcPr>
+                </a:tc>
+                <a:tc>
+                  <a:txBody>
+                    <a:bodyPr/>
+                    <a:lstStyle/>
+                    <a:p>
+                      <a:r>
+                        <a:rPr lang="en-US" altLang="zh-CN" u="none" dirty="0" smtClean="0">
+                          <a:solidFill>
+                            <a:schemeClr val="tx1"/>
+                          </a:solidFill>
+                        </a:rPr>
+                        <a:t>0.88</a:t>
+                      </a:r>
+                      <a:endParaRPr lang="zh-CN" altLang="en-US" u="none" dirty="0">
+                        <a:solidFill>
+                          <a:schemeClr val="tx1"/>
+                        </a:solidFill>
+                      </a:endParaRPr>
+                    </a:p>
+                  </a:txBody>
+                  <a:tcPr>
+                    <a:lnL w="12700" cap="flat" cmpd="sng" algn="ctr">
+                      <a:solidFill>
+                        <a:schemeClr val="tx1"/>
+                      </a:solidFill>
+                      <a:prstDash val="solid"/>
+                      <a:round/>
+                      <a:headEnd type="none" w="med" len="med"/>
+                      <a:tailEnd type="none" w="med" len="med"/>
+                    </a:lnL>
+                    <a:lnR w="12700" cap="flat" cmpd="sng" algn="ctr">
+                      <a:solidFill>
+                        <a:schemeClr val="tx1"/>
+                      </a:solidFill>
+                      <a:prstDash val="solid"/>
+                      <a:round/>
+                      <a:headEnd type="none" w="med" len="med"/>
+                      <a:tailEnd type="none" w="med" len="med"/>
+                    </a:lnR>
+                    <a:lnT w="12700" cap="flat" cmpd="sng" algn="ctr">
+                      <a:solidFill>
+                        <a:schemeClr val="tx1"/>
+                      </a:solidFill>
+                      <a:prstDash val="solid"/>
+                      <a:round/>
+                      <a:headEnd type="none" w="med" len="med"/>
+                      <a:tailEnd type="none" w="med" len="med"/>
+                    </a:lnT>
+                    <a:lnB w="12700" cap="flat" cmpd="sng" algn="ctr">
+                      <a:solidFill>
+                        <a:schemeClr val="tx1"/>
+                      </a:solidFill>
+                      <a:prstDash val="solid"/>
+                      <a:round/>
+                      <a:headEnd type="none" w="med" len="med"/>
+                      <a:tailEnd type="none" w="med" len="med"/>
+                    </a:lnB>
+                  </a:tcPr>
+                </a:tc>
+                <a:tc>
+                  <a:txBody>
+                    <a:bodyPr/>
+                    <a:lstStyle/>
+                    <a:p>
+                      <a:r>
+                        <a:rPr lang="zh-CN" altLang="en-US" u="sng" dirty="0" smtClean="0">
+                          <a:solidFill>
+                            <a:srgbClr val="0070C0"/>
+                          </a:solidFill>
+                        </a:rPr>
+                        <a:t>概要</a:t>
+                      </a:r>
+                      <a:endParaRPr lang="zh-CN" altLang="en-US" u="sng" dirty="0">
+                        <a:solidFill>
+                          <a:srgbClr val="0070C0"/>
+                        </a:solidFill>
+                      </a:endParaRPr>
+                    </a:p>
+                  </a:txBody>
+                  <a:tcPr>
+                    <a:lnL w="12700" cap="flat" cmpd="sng" algn="ctr">
+                      <a:solidFill>
+                        <a:schemeClr val="tx1"/>
+                      </a:solidFill>
+                      <a:prstDash val="solid"/>
+                      <a:round/>
+                      <a:headEnd type="none" w="med" len="med"/>
+                      <a:tailEnd type="none" w="med" len="med"/>
+                    </a:lnL>
+                    <a:lnR w="12700" cap="flat" cmpd="sng" algn="ctr">
+                      <a:solidFill>
+                        <a:schemeClr val="tx1"/>
+                      </a:solidFill>
+                      <a:prstDash val="solid"/>
+                      <a:round/>
+                      <a:headEnd type="none" w="med" len="med"/>
+                      <a:tailEnd type="none" w="med" len="med"/>
+                    </a:lnR>
+                    <a:lnT w="12700" cap="flat" cmpd="sng" algn="ctr">
+                      <a:solidFill>
+                        <a:schemeClr val="tx1"/>
+                      </a:solidFill>
+                      <a:prstDash val="solid"/>
+                      <a:round/>
+                      <a:headEnd type="none" w="med" len="med"/>
+                      <a:tailEnd type="none" w="med" len="med"/>
+                    </a:lnT>
+                    <a:lnB w="12700" cap="flat" cmpd="sng" algn="ctr">
+                      <a:solidFill>
+                        <a:schemeClr val="tx1"/>
+                      </a:solidFill>
+                      <a:prstDash val="solid"/>
+                      <a:round/>
+                      <a:headEnd type="none" w="med" len="med"/>
+                      <a:tailEnd type="none" w="med" len="med"/>
+                    </a:lnB>
+                  </a:tcPr>
+                </a:tc>
+              </a:tr>
+              <a:tr h="370840">
+                <a:tc>
+                  <a:txBody>
+                    <a:bodyPr/>
+                    <a:lstStyle/>
+                    <a:p>
+                      <a:r>
+                        <a:rPr lang="en-US" altLang="zh-CN" dirty="0" smtClean="0"/>
+                        <a:t>4</a:t>
                       </a:r>
                       <a:endParaRPr lang="zh-CN" altLang="en-US" dirty="0"/>
                     </a:p>
@@ -27900,18 +27287,9 @@
                         <a:defRPr/>
                       </a:pPr>
                       <a:r>
-                        <a:rPr lang="en-US" altLang="zh-CN" u="none" dirty="0" smtClean="0">
-                          <a:solidFill>
-                            <a:schemeClr val="tx1"/>
-                          </a:solidFill>
-                        </a:rPr>
-                        <a:t>0.43</a:t>
-                      </a:r>
-                      <a:endParaRPr lang="zh-CN" altLang="en-US" u="none" dirty="0" smtClean="0">
-                        <a:solidFill>
-                          <a:schemeClr val="tx1"/>
-                        </a:solidFill>
-                      </a:endParaRPr>
+                        <a:rPr lang="zh-CN" altLang="en-US" dirty="0" smtClean="0"/>
+                        <a:t>心理学第二讲测试</a:t>
+                      </a:r>
                     </a:p>
                   </a:txBody>
                   <a:tcPr>
@@ -27976,6 +27354,367 @@
                         <a:defRPr/>
                       </a:pPr>
                       <a:r>
+                        <a:rPr lang="en-US" altLang="zh-CN" dirty="0" smtClean="0"/>
+                        <a:t>2</a:t>
+                      </a:r>
+                      <a:endParaRPr lang="zh-CN" altLang="en-US" dirty="0" smtClean="0"/>
+                    </a:p>
+                  </a:txBody>
+                  <a:tcPr>
+                    <a:lnL w="12700" cap="flat" cmpd="sng" algn="ctr">
+                      <a:solidFill>
+                        <a:schemeClr val="tx1"/>
+                      </a:solidFill>
+                      <a:prstDash val="solid"/>
+                      <a:round/>
+                      <a:headEnd type="none" w="med" len="med"/>
+                      <a:tailEnd type="none" w="med" len="med"/>
+                    </a:lnL>
+                    <a:lnR w="12700" cap="flat" cmpd="sng" algn="ctr">
+                      <a:solidFill>
+                        <a:schemeClr val="tx1"/>
+                      </a:solidFill>
+                      <a:prstDash val="solid"/>
+                      <a:round/>
+                      <a:headEnd type="none" w="med" len="med"/>
+                      <a:tailEnd type="none" w="med" len="med"/>
+                    </a:lnR>
+                    <a:lnT w="12700" cap="flat" cmpd="sng" algn="ctr">
+                      <a:solidFill>
+                        <a:schemeClr val="tx1"/>
+                      </a:solidFill>
+                      <a:prstDash val="solid"/>
+                      <a:round/>
+                      <a:headEnd type="none" w="med" len="med"/>
+                      <a:tailEnd type="none" w="med" len="med"/>
+                    </a:lnT>
+                    <a:lnB w="12700" cap="flat" cmpd="sng" algn="ctr">
+                      <a:solidFill>
+                        <a:schemeClr val="tx1"/>
+                      </a:solidFill>
+                      <a:prstDash val="solid"/>
+                      <a:round/>
+                      <a:headEnd type="none" w="med" len="med"/>
+                      <a:tailEnd type="none" w="med" len="med"/>
+                    </a:lnB>
+                  </a:tcPr>
+                </a:tc>
+                <a:tc>
+                  <a:txBody>
+                    <a:bodyPr/>
+                    <a:lstStyle/>
+                    <a:p>
+                      <a:r>
+                        <a:rPr lang="en-US" altLang="zh-CN" dirty="0" smtClean="0"/>
+                        <a:t>0.7</a:t>
+                      </a:r>
+                      <a:endParaRPr lang="zh-CN" altLang="en-US" dirty="0"/>
+                    </a:p>
+                  </a:txBody>
+                  <a:tcPr>
+                    <a:lnL w="12700" cap="flat" cmpd="sng" algn="ctr">
+                      <a:solidFill>
+                        <a:schemeClr val="tx1"/>
+                      </a:solidFill>
+                      <a:prstDash val="solid"/>
+                      <a:round/>
+                      <a:headEnd type="none" w="med" len="med"/>
+                      <a:tailEnd type="none" w="med" len="med"/>
+                    </a:lnL>
+                    <a:lnR w="12700" cap="flat" cmpd="sng" algn="ctr">
+                      <a:solidFill>
+                        <a:schemeClr val="tx1"/>
+                      </a:solidFill>
+                      <a:prstDash val="solid"/>
+                      <a:round/>
+                      <a:headEnd type="none" w="med" len="med"/>
+                      <a:tailEnd type="none" w="med" len="med"/>
+                    </a:lnR>
+                    <a:lnT w="12700" cap="flat" cmpd="sng" algn="ctr">
+                      <a:solidFill>
+                        <a:schemeClr val="tx1"/>
+                      </a:solidFill>
+                      <a:prstDash val="solid"/>
+                      <a:round/>
+                      <a:headEnd type="none" w="med" len="med"/>
+                      <a:tailEnd type="none" w="med" len="med"/>
+                    </a:lnT>
+                    <a:lnB w="12700" cap="flat" cmpd="sng" algn="ctr">
+                      <a:solidFill>
+                        <a:schemeClr val="tx1"/>
+                      </a:solidFill>
+                      <a:prstDash val="solid"/>
+                      <a:round/>
+                      <a:headEnd type="none" w="med" len="med"/>
+                      <a:tailEnd type="none" w="med" len="med"/>
+                    </a:lnB>
+                  </a:tcPr>
+                </a:tc>
+                <a:tc>
+                  <a:txBody>
+                    <a:bodyPr/>
+                    <a:lstStyle/>
+                    <a:p>
+                      <a:pPr marL="0" marR="0" indent="0" algn="l" defTabSz="914400" rtl="0" eaLnBrk="1" fontAlgn="auto" latinLnBrk="0" hangingPunct="1">
+                        <a:lnSpc>
+                          <a:spcPct val="100000"/>
+                        </a:lnSpc>
+                        <a:spcBef>
+                          <a:spcPts val="0"/>
+                        </a:spcBef>
+                        <a:spcAft>
+                          <a:spcPts val="0"/>
+                        </a:spcAft>
+                        <a:buClrTx/>
+                        <a:buSzTx/>
+                        <a:buFontTx/>
+                        <a:buNone/>
+                        <a:tabLst/>
+                        <a:defRPr/>
+                      </a:pPr>
+                      <a:endParaRPr lang="zh-CN" altLang="en-US" dirty="0" smtClean="0"/>
+                    </a:p>
+                  </a:txBody>
+                  <a:tcPr>
+                    <a:lnL w="12700" cap="flat" cmpd="sng" algn="ctr">
+                      <a:solidFill>
+                        <a:schemeClr val="tx1"/>
+                      </a:solidFill>
+                      <a:prstDash val="solid"/>
+                      <a:round/>
+                      <a:headEnd type="none" w="med" len="med"/>
+                      <a:tailEnd type="none" w="med" len="med"/>
+                    </a:lnL>
+                    <a:lnR w="12700" cap="flat" cmpd="sng" algn="ctr">
+                      <a:solidFill>
+                        <a:schemeClr val="tx1"/>
+                      </a:solidFill>
+                      <a:prstDash val="solid"/>
+                      <a:round/>
+                      <a:headEnd type="none" w="med" len="med"/>
+                      <a:tailEnd type="none" w="med" len="med"/>
+                    </a:lnR>
+                    <a:lnT w="12700" cap="flat" cmpd="sng" algn="ctr">
+                      <a:solidFill>
+                        <a:schemeClr val="tx1"/>
+                      </a:solidFill>
+                      <a:prstDash val="solid"/>
+                      <a:round/>
+                      <a:headEnd type="none" w="med" len="med"/>
+                      <a:tailEnd type="none" w="med" len="med"/>
+                    </a:lnT>
+                    <a:lnB w="12700" cap="flat" cmpd="sng" algn="ctr">
+                      <a:solidFill>
+                        <a:schemeClr val="tx1"/>
+                      </a:solidFill>
+                      <a:prstDash val="solid"/>
+                      <a:round/>
+                      <a:headEnd type="none" w="med" len="med"/>
+                      <a:tailEnd type="none" w="med" len="med"/>
+                    </a:lnB>
+                  </a:tcPr>
+                </a:tc>
+                <a:tc>
+                  <a:txBody>
+                    <a:bodyPr/>
+                    <a:lstStyle/>
+                    <a:p>
+                      <a:r>
+                        <a:rPr lang="en-US" altLang="zh-CN" dirty="0" smtClean="0"/>
+                        <a:t>40%</a:t>
+                      </a:r>
+                      <a:endParaRPr lang="zh-CN" altLang="en-US" dirty="0"/>
+                    </a:p>
+                  </a:txBody>
+                  <a:tcPr>
+                    <a:lnL w="12700" cap="flat" cmpd="sng" algn="ctr">
+                      <a:solidFill>
+                        <a:schemeClr val="tx1"/>
+                      </a:solidFill>
+                      <a:prstDash val="solid"/>
+                      <a:round/>
+                      <a:headEnd type="none" w="med" len="med"/>
+                      <a:tailEnd type="none" w="med" len="med"/>
+                    </a:lnL>
+                    <a:lnR w="12700" cap="flat" cmpd="sng" algn="ctr">
+                      <a:solidFill>
+                        <a:schemeClr val="tx1"/>
+                      </a:solidFill>
+                      <a:prstDash val="solid"/>
+                      <a:round/>
+                      <a:headEnd type="none" w="med" len="med"/>
+                      <a:tailEnd type="none" w="med" len="med"/>
+                    </a:lnR>
+                    <a:lnT w="12700" cap="flat" cmpd="sng" algn="ctr">
+                      <a:solidFill>
+                        <a:schemeClr val="tx1"/>
+                      </a:solidFill>
+                      <a:prstDash val="solid"/>
+                      <a:round/>
+                      <a:headEnd type="none" w="med" len="med"/>
+                      <a:tailEnd type="none" w="med" len="med"/>
+                    </a:lnT>
+                    <a:lnB w="12700" cap="flat" cmpd="sng" algn="ctr">
+                      <a:solidFill>
+                        <a:schemeClr val="tx1"/>
+                      </a:solidFill>
+                      <a:prstDash val="solid"/>
+                      <a:round/>
+                      <a:headEnd type="none" w="med" len="med"/>
+                      <a:tailEnd type="none" w="med" len="med"/>
+                    </a:lnB>
+                  </a:tcPr>
+                </a:tc>
+                <a:tc>
+                  <a:txBody>
+                    <a:bodyPr/>
+                    <a:lstStyle/>
+                    <a:p>
+                      <a:r>
+                        <a:rPr lang="en-US" altLang="zh-CN" dirty="0" smtClean="0"/>
+                        <a:t>60s</a:t>
+                      </a:r>
+                      <a:endParaRPr lang="zh-CN" altLang="en-US" dirty="0"/>
+                    </a:p>
+                  </a:txBody>
+                  <a:tcPr>
+                    <a:lnL w="12700" cap="flat" cmpd="sng" algn="ctr">
+                      <a:solidFill>
+                        <a:schemeClr val="tx1"/>
+                      </a:solidFill>
+                      <a:prstDash val="solid"/>
+                      <a:round/>
+                      <a:headEnd type="none" w="med" len="med"/>
+                      <a:tailEnd type="none" w="med" len="med"/>
+                    </a:lnL>
+                    <a:lnR w="12700" cap="flat" cmpd="sng" algn="ctr">
+                      <a:solidFill>
+                        <a:schemeClr val="tx1"/>
+                      </a:solidFill>
+                      <a:prstDash val="solid"/>
+                      <a:round/>
+                      <a:headEnd type="none" w="med" len="med"/>
+                      <a:tailEnd type="none" w="med" len="med"/>
+                    </a:lnR>
+                    <a:lnT w="12700" cap="flat" cmpd="sng" algn="ctr">
+                      <a:solidFill>
+                        <a:schemeClr val="tx1"/>
+                      </a:solidFill>
+                      <a:prstDash val="solid"/>
+                      <a:round/>
+                      <a:headEnd type="none" w="med" len="med"/>
+                      <a:tailEnd type="none" w="med" len="med"/>
+                    </a:lnT>
+                    <a:lnB w="12700" cap="flat" cmpd="sng" algn="ctr">
+                      <a:solidFill>
+                        <a:schemeClr val="tx1"/>
+                      </a:solidFill>
+                      <a:prstDash val="solid"/>
+                      <a:round/>
+                      <a:headEnd type="none" w="med" len="med"/>
+                      <a:tailEnd type="none" w="med" len="med"/>
+                    </a:lnB>
+                  </a:tcPr>
+                </a:tc>
+                <a:tc>
+                  <a:txBody>
+                    <a:bodyPr/>
+                    <a:lstStyle/>
+                    <a:p>
+                      <a:pPr marL="0" marR="0" indent="0" algn="l" defTabSz="914400" rtl="0" eaLnBrk="1" fontAlgn="auto" latinLnBrk="0" hangingPunct="1">
+                        <a:lnSpc>
+                          <a:spcPct val="100000"/>
+                        </a:lnSpc>
+                        <a:spcBef>
+                          <a:spcPts val="0"/>
+                        </a:spcBef>
+                        <a:spcAft>
+                          <a:spcPts val="0"/>
+                        </a:spcAft>
+                        <a:buClrTx/>
+                        <a:buSzTx/>
+                        <a:buFontTx/>
+                        <a:buNone/>
+                        <a:tabLst/>
+                        <a:defRPr/>
+                      </a:pPr>
+                      <a:r>
+                        <a:rPr lang="en-US" altLang="zh-CN" u="none" dirty="0" smtClean="0">
+                          <a:solidFill>
+                            <a:schemeClr val="tx1"/>
+                          </a:solidFill>
+                        </a:rPr>
+                        <a:t>0.43</a:t>
+                      </a:r>
+                      <a:endParaRPr lang="zh-CN" altLang="en-US" u="none" dirty="0" smtClean="0">
+                        <a:solidFill>
+                          <a:schemeClr val="tx1"/>
+                        </a:solidFill>
+                      </a:endParaRPr>
+                    </a:p>
+                  </a:txBody>
+                  <a:tcPr>
+                    <a:lnL w="12700" cap="flat" cmpd="sng" algn="ctr">
+                      <a:solidFill>
+                        <a:schemeClr val="tx1"/>
+                      </a:solidFill>
+                      <a:prstDash val="solid"/>
+                      <a:round/>
+                      <a:headEnd type="none" w="med" len="med"/>
+                      <a:tailEnd type="none" w="med" len="med"/>
+                    </a:lnL>
+                    <a:lnR w="12700" cap="flat" cmpd="sng" algn="ctr">
+                      <a:solidFill>
+                        <a:schemeClr val="tx1"/>
+                      </a:solidFill>
+                      <a:prstDash val="solid"/>
+                      <a:round/>
+                      <a:headEnd type="none" w="med" len="med"/>
+                      <a:tailEnd type="none" w="med" len="med"/>
+                    </a:lnR>
+                    <a:lnT w="12700" cap="flat" cmpd="sng" algn="ctr">
+                      <a:solidFill>
+                        <a:schemeClr val="tx1"/>
+                      </a:solidFill>
+                      <a:prstDash val="solid"/>
+                      <a:round/>
+                      <a:headEnd type="none" w="med" len="med"/>
+                      <a:tailEnd type="none" w="med" len="med"/>
+                    </a:lnT>
+                    <a:lnB w="12700" cap="flat" cmpd="sng" algn="ctr">
+                      <a:solidFill>
+                        <a:schemeClr val="tx1"/>
+                      </a:solidFill>
+                      <a:prstDash val="solid"/>
+                      <a:round/>
+                      <a:headEnd type="none" w="med" len="med"/>
+                      <a:tailEnd type="none" w="med" len="med"/>
+                    </a:lnB>
+                  </a:tcPr>
+                </a:tc>
+                <a:tc>
+                  <a:txBody>
+                    <a:bodyPr/>
+                    <a:lstStyle/>
+                    <a:p>
+                      <a:pPr marL="0" marR="0" indent="0" algn="l" defTabSz="914400" rtl="0" eaLnBrk="1" fontAlgn="auto" latinLnBrk="0" hangingPunct="1">
+                        <a:lnSpc>
+                          <a:spcPct val="100000"/>
+                        </a:lnSpc>
+                        <a:spcBef>
+                          <a:spcPts val="0"/>
+                        </a:spcBef>
+                        <a:spcAft>
+                          <a:spcPts val="0"/>
+                        </a:spcAft>
+                        <a:buClrTx/>
+                        <a:buSzTx/>
+                        <a:buFontTx/>
+                        <a:buNone/>
+                        <a:tabLst/>
+                        <a:defRPr/>
+                      </a:pPr>
+                      <a:r>
                         <a:rPr lang="zh-CN" altLang="en-US" u="sng" dirty="0" smtClean="0">
                           <a:solidFill>
                             <a:srgbClr val="0070C0"/>
@@ -27983,11 +27722,6 @@
                         </a:rPr>
                         <a:t>概要</a:t>
                       </a:r>
-                      <a:endParaRPr lang="zh-CN" altLang="en-US" u="sng" dirty="0" smtClean="0">
-                        <a:solidFill>
-                          <a:srgbClr val="0070C0"/>
-                        </a:solidFill>
-                      </a:endParaRPr>
                     </a:p>
                   </a:txBody>
                   <a:tcPr>
@@ -28231,7 +27965,11 @@
                     <a:p>
                       <a:r>
                         <a:rPr lang="zh-CN" altLang="en-US" dirty="0" smtClean="0"/>
-                        <a:t>时长</a:t>
+                        <a:t>时</a:t>
+                      </a:r>
+                      <a:r>
+                        <a:rPr lang="zh-CN" altLang="en-US" dirty="0" smtClean="0"/>
+                        <a:t>长</a:t>
                       </a:r>
                       <a:endParaRPr lang="zh-CN" altLang="en-US" dirty="0"/>
                     </a:p>
@@ -29019,6 +28757,7 @@
                         <a:rPr lang="zh-CN" altLang="en-US" dirty="0" smtClean="0"/>
                         <a:t>李四</a:t>
                       </a:r>
+                      <a:endParaRPr lang="en-US" altLang="zh-CN" dirty="0" smtClean="0"/>
                     </a:p>
                   </a:txBody>
                   <a:tcPr>
@@ -29889,7 +29628,6 @@
                         <a:rPr lang="zh-CN" altLang="en-US" dirty="0" smtClean="0"/>
                         <a:t>牛六</a:t>
                       </a:r>
-                      <a:endParaRPr lang="zh-CN" altLang="en-US" dirty="0" smtClean="0"/>
                     </a:p>
                   </a:txBody>
                   <a:tcPr>
@@ -30349,11 +30087,7 @@
           <a:p>
             <a:r>
               <a:rPr lang="zh-CN" altLang="en-US" dirty="0" smtClean="0"/>
-              <a:t>各</a:t>
-            </a:r>
-            <a:r>
-              <a:rPr lang="zh-CN" altLang="en-US" dirty="0" smtClean="0"/>
-              <a:t>选项关注时长：</a:t>
+              <a:t>各选项关注时长：</a:t>
             </a:r>
             <a:r>
               <a:rPr lang="en-US" altLang="zh-CN" dirty="0" smtClean="0"/>
@@ -32259,7 +31993,11 @@
           <a:p>
             <a:r>
               <a:rPr lang="zh-CN" altLang="en-US" dirty="0" smtClean="0"/>
-              <a:t>在线自习行为数据</a:t>
+              <a:t>在线阅读行为</a:t>
+            </a:r>
+            <a:r>
+              <a:rPr lang="zh-CN" altLang="en-US" dirty="0" smtClean="0"/>
+              <a:t>数据</a:t>
             </a:r>
             <a:r>
               <a:rPr lang="en-US" altLang="zh-CN" dirty="0" smtClean="0"/>
